--- a/рубеж 3/презы/регистрсдвига.pptx
+++ b/рубеж 3/презы/регистрсдвига.pptx
@@ -13,14 +13,15 @@
     <p:sldId id="261" r:id="rId7"/>
     <p:sldId id="262" r:id="rId8"/>
     <p:sldId id="263" r:id="rId9"/>
-    <p:sldId id="264" r:id="rId10"/>
-    <p:sldId id="265" r:id="rId11"/>
-    <p:sldId id="266" r:id="rId12"/>
-    <p:sldId id="267" r:id="rId13"/>
-    <p:sldId id="268" r:id="rId14"/>
-    <p:sldId id="269" r:id="rId15"/>
-    <p:sldId id="270" r:id="rId16"/>
-    <p:sldId id="271" r:id="rId17"/>
+    <p:sldId id="272" r:id="rId10"/>
+    <p:sldId id="264" r:id="rId11"/>
+    <p:sldId id="265" r:id="rId12"/>
+    <p:sldId id="266" r:id="rId13"/>
+    <p:sldId id="267" r:id="rId14"/>
+    <p:sldId id="268" r:id="rId15"/>
+    <p:sldId id="269" r:id="rId16"/>
+    <p:sldId id="270" r:id="rId17"/>
+    <p:sldId id="271" r:id="rId18"/>
   </p:sldIdLst>
   <p:sldSz cx="12192000" cy="6858000"/>
   <p:notesSz cx="6858000" cy="9144000"/>
@@ -119,6 +120,11 @@
       </a:defRPr>
     </a:lvl9pPr>
   </p:defaultTextStyle>
+  <p:extLst>
+    <p:ext uri="{EFAFB233-063F-42B5-8137-9DF3F51BA10A}">
+      <p15:sldGuideLst xmlns:p15="http://schemas.microsoft.com/office/powerpoint/2012/main"/>
+    </p:ext>
+  </p:extLst>
 </p:presentation>
 </file>
 
@@ -3213,11 +3219,7 @@
             <a:pPr algn="ctr"/>
             <a:r>
               <a:rPr lang="ru-RU" dirty="0" smtClean="0"/>
-              <a:t>Инвертор </a:t>
-            </a:r>
-            <a:r>
-              <a:rPr lang="ru-RU" dirty="0" smtClean="0"/>
-              <a:t>берем из вкладки </a:t>
+              <a:t>Инвертор берем из вкладки </a:t>
             </a:r>
             <a:r>
               <a:rPr lang="en-US" dirty="0" smtClean="0"/>
@@ -3666,96 +3668,24 @@
         </p:blipFill>
         <p:spPr>
           <a:xfrm>
-            <a:off x="740026" y="520700"/>
-            <a:ext cx="10466136" cy="4260850"/>
+            <a:off x="465222" y="676422"/>
+            <a:ext cx="11245516" cy="4572939"/>
           </a:xfrm>
           <a:prstGeom prst="rect">
             <a:avLst/>
           </a:prstGeom>
         </p:spPr>
       </p:pic>
-      <p:pic>
-        <p:nvPicPr>
-          <p:cNvPr id="3" name="Рисунок 2"/>
-          <p:cNvPicPr>
-            <a:picLocks noChangeAspect="1"/>
-          </p:cNvPicPr>
-          <p:nvPr/>
-        </p:nvPicPr>
-        <p:blipFill>
-          <a:blip r:embed="rId3"/>
-          <a:stretch>
-            <a:fillRect/>
-          </a:stretch>
-        </p:blipFill>
-        <p:spPr>
-          <a:xfrm>
-            <a:off x="4125912" y="4781550"/>
-            <a:ext cx="2892955" cy="666713"/>
-          </a:xfrm>
-          <a:prstGeom prst="rect">
-            <a:avLst/>
-          </a:prstGeom>
-        </p:spPr>
-      </p:pic>
-      <p:sp>
-        <p:nvSpPr>
-          <p:cNvPr id="4" name="Прямоугольник 3"/>
-          <p:cNvSpPr/>
-          <p:nvPr/>
-        </p:nvSpPr>
-        <p:spPr>
-          <a:xfrm>
-            <a:off x="997493" y="4867427"/>
-            <a:ext cx="2279107" cy="580836"/>
-          </a:xfrm>
-          <a:prstGeom prst="rect">
-            <a:avLst/>
-          </a:prstGeom>
-        </p:spPr>
-        <p:style>
-          <a:lnRef idx="2">
-            <a:schemeClr val="accent6">
-              <a:shade val="50000"/>
-            </a:schemeClr>
-          </a:lnRef>
-          <a:fillRef idx="1">
-            <a:schemeClr val="accent6"/>
-          </a:fillRef>
-          <a:effectRef idx="0">
-            <a:schemeClr val="accent6"/>
-          </a:effectRef>
-          <a:fontRef idx="minor">
-            <a:schemeClr val="lt1"/>
-          </a:fontRef>
-        </p:style>
-        <p:txBody>
-          <a:bodyPr rtlCol="0" anchor="ctr"/>
-          <a:lstStyle/>
-          <a:p>
-            <a:pPr algn="ctr"/>
-            <a:r>
-              <a:rPr lang="en-US" dirty="0" smtClean="0"/>
-              <a:t>SW5=1 (</a:t>
-            </a:r>
-            <a:r>
-              <a:rPr lang="ru-RU" dirty="0" smtClean="0"/>
-              <a:t>Разрешение записи в регистр)</a:t>
-            </a:r>
-            <a:endParaRPr lang="ru-RU" dirty="0"/>
-          </a:p>
-        </p:txBody>
-      </p:sp>
       <p:cxnSp>
         <p:nvCxnSpPr>
-          <p:cNvPr id="5" name="Прямая со стрелкой 4"/>
+          <p:cNvPr id="3" name="Прямая со стрелкой 2"/>
           <p:cNvCxnSpPr/>
           <p:nvPr/>
         </p:nvCxnSpPr>
         <p:spPr>
-          <a:xfrm flipV="1">
-            <a:off x="2023533" y="2252133"/>
-            <a:ext cx="1905000" cy="2529417"/>
+          <a:xfrm flipH="1" flipV="1">
+            <a:off x="5021179" y="962526"/>
+            <a:ext cx="1700463" cy="3946359"/>
           </a:xfrm>
           <a:prstGeom prst="straightConnector1">
             <a:avLst/>
@@ -3782,16 +3712,124 @@
           </a:fontRef>
         </p:style>
       </p:cxnSp>
-      <p:sp>
-        <p:nvSpPr>
-          <p:cNvPr id="9" name="Овал 8"/>
+      <p:cxnSp>
+        <p:nvCxnSpPr>
+          <p:cNvPr id="7" name="Прямая со стрелкой 6"/>
+          <p:cNvCxnSpPr/>
+          <p:nvPr/>
+        </p:nvCxnSpPr>
+        <p:spPr>
+          <a:xfrm flipH="1" flipV="1">
+            <a:off x="2237875" y="1900990"/>
+            <a:ext cx="1724525" cy="2863515"/>
+          </a:xfrm>
+          <a:prstGeom prst="straightConnector1">
+            <a:avLst/>
+          </a:prstGeom>
+          <a:ln w="38100">
+            <a:solidFill>
+              <a:srgbClr val="FF0000"/>
+            </a:solidFill>
+            <a:tailEnd type="triangle"/>
+          </a:ln>
+        </p:spPr>
+        <p:style>
+          <a:lnRef idx="1">
+            <a:schemeClr val="accent1"/>
+          </a:lnRef>
+          <a:fillRef idx="0">
+            <a:schemeClr val="accent1"/>
+          </a:fillRef>
+          <a:effectRef idx="0">
+            <a:schemeClr val="accent1"/>
+          </a:effectRef>
+          <a:fontRef idx="minor">
+            <a:schemeClr val="tx1"/>
+          </a:fontRef>
+        </p:style>
+      </p:cxnSp>
+      <p:cxnSp>
+        <p:nvCxnSpPr>
+          <p:cNvPr id="9" name="Прямая со стрелкой 8"/>
+          <p:cNvCxnSpPr/>
+          <p:nvPr/>
+        </p:nvCxnSpPr>
+        <p:spPr>
+          <a:xfrm flipH="1" flipV="1">
+            <a:off x="1652337" y="2962892"/>
+            <a:ext cx="2310063" cy="1801613"/>
+          </a:xfrm>
+          <a:prstGeom prst="straightConnector1">
+            <a:avLst/>
+          </a:prstGeom>
+          <a:ln w="38100">
+            <a:solidFill>
+              <a:srgbClr val="FF0000"/>
+            </a:solidFill>
+            <a:tailEnd type="triangle"/>
+          </a:ln>
+        </p:spPr>
+        <p:style>
+          <a:lnRef idx="1">
+            <a:schemeClr val="accent1"/>
+          </a:lnRef>
+          <a:fillRef idx="0">
+            <a:schemeClr val="accent1"/>
+          </a:fillRef>
+          <a:effectRef idx="0">
+            <a:schemeClr val="accent1"/>
+          </a:effectRef>
+          <a:fontRef idx="minor">
+            <a:schemeClr val="tx1"/>
+          </a:fontRef>
+        </p:style>
+      </p:cxnSp>
+      <p:cxnSp>
+        <p:nvCxnSpPr>
+          <p:cNvPr id="12" name="Прямая со стрелкой 11"/>
+          <p:cNvCxnSpPr/>
+          <p:nvPr/>
+        </p:nvCxnSpPr>
+        <p:spPr>
+          <a:xfrm flipH="1" flipV="1">
+            <a:off x="2117558" y="4523875"/>
+            <a:ext cx="1844842" cy="240630"/>
+          </a:xfrm>
+          <a:prstGeom prst="straightConnector1">
+            <a:avLst/>
+          </a:prstGeom>
+          <a:ln w="38100">
+            <a:solidFill>
+              <a:srgbClr val="FF0000"/>
+            </a:solidFill>
+            <a:tailEnd type="triangle"/>
+          </a:ln>
+        </p:spPr>
+        <p:style>
+          <a:lnRef idx="1">
+            <a:schemeClr val="accent1"/>
+          </a:lnRef>
+          <a:fillRef idx="0">
+            <a:schemeClr val="accent1"/>
+          </a:fillRef>
+          <a:effectRef idx="0">
+            <a:schemeClr val="accent1"/>
+          </a:effectRef>
+          <a:fontRef idx="minor">
+            <a:schemeClr val="tx1"/>
+          </a:fontRef>
+        </p:style>
+      </p:cxnSp>
+      <p:sp>
+        <p:nvSpPr>
+          <p:cNvPr id="16" name="Овал 15"/>
           <p:cNvSpPr/>
           <p:nvPr/>
         </p:nvSpPr>
         <p:spPr>
           <a:xfrm>
-            <a:off x="1366957" y="2651125"/>
-            <a:ext cx="918393" cy="501977"/>
+            <a:off x="4439669" y="651975"/>
+            <a:ext cx="918393" cy="310551"/>
           </a:xfrm>
           <a:prstGeom prst="ellipse">
             <a:avLst/>
@@ -3826,154 +3864,54 @@
           </a:p>
         </p:txBody>
       </p:sp>
-      <p:pic>
-        <p:nvPicPr>
-          <p:cNvPr id="10" name="Рисунок 9"/>
-          <p:cNvPicPr>
-            <a:picLocks noChangeAspect="1"/>
-          </p:cNvPicPr>
-          <p:nvPr/>
-        </p:nvPicPr>
-        <p:blipFill>
-          <a:blip r:embed="rId4"/>
-          <a:stretch>
-            <a:fillRect/>
-          </a:stretch>
-        </p:blipFill>
-        <p:spPr>
-          <a:xfrm>
-            <a:off x="546101" y="1574586"/>
-            <a:ext cx="1403864" cy="1076539"/>
-          </a:xfrm>
-          <a:prstGeom prst="rect">
-            <a:avLst/>
-          </a:prstGeom>
-        </p:spPr>
-      </p:pic>
-      <p:cxnSp>
-        <p:nvCxnSpPr>
-          <p:cNvPr id="11" name="Прямая со стрелкой 10"/>
-          <p:cNvCxnSpPr/>
-          <p:nvPr/>
-        </p:nvCxnSpPr>
-        <p:spPr>
-          <a:xfrm>
-            <a:off x="1890698" y="2252133"/>
-            <a:ext cx="2111403" cy="0"/>
-          </a:xfrm>
-          <a:prstGeom prst="straightConnector1">
-            <a:avLst/>
-          </a:prstGeom>
+      <p:sp>
+        <p:nvSpPr>
+          <p:cNvPr id="17" name="Овал 16"/>
+          <p:cNvSpPr/>
+          <p:nvPr/>
+        </p:nvSpPr>
+        <p:spPr>
+          <a:xfrm>
+            <a:off x="9198624" y="1650001"/>
+            <a:ext cx="918393" cy="501977"/>
+          </a:xfrm>
+          <a:prstGeom prst="ellipse">
+            <a:avLst/>
+          </a:prstGeom>
+          <a:noFill/>
           <a:ln w="38100">
             <a:solidFill>
               <a:srgbClr val="FF0000"/>
             </a:solidFill>
-            <a:tailEnd type="triangle"/>
           </a:ln>
         </p:spPr>
         <p:style>
-          <a:lnRef idx="1">
-            <a:schemeClr val="accent1"/>
+          <a:lnRef idx="0">
+            <a:scrgbClr r="0" g="0" b="0"/>
           </a:lnRef>
           <a:fillRef idx="0">
-            <a:schemeClr val="accent1"/>
+            <a:scrgbClr r="0" g="0" b="0"/>
           </a:fillRef>
           <a:effectRef idx="0">
-            <a:schemeClr val="accent1"/>
+            <a:scrgbClr r="0" g="0" b="0"/>
           </a:effectRef>
           <a:fontRef idx="minor">
-            <a:schemeClr val="tx1"/>
+            <a:schemeClr val="accent2"/>
           </a:fontRef>
         </p:style>
-      </p:cxnSp>
-      <p:pic>
-        <p:nvPicPr>
-          <p:cNvPr id="17" name="Рисунок 16"/>
-          <p:cNvPicPr>
-            <a:picLocks noChangeAspect="1"/>
-          </p:cNvPicPr>
-          <p:nvPr/>
-        </p:nvPicPr>
-        <p:blipFill>
-          <a:blip r:embed="rId5"/>
-          <a:stretch>
-            <a:fillRect/>
-          </a:stretch>
-        </p:blipFill>
-        <p:spPr>
-          <a:xfrm>
-            <a:off x="457200" y="3353336"/>
-            <a:ext cx="1878950" cy="703350"/>
-          </a:xfrm>
-          <a:prstGeom prst="rect">
-            <a:avLst/>
-          </a:prstGeom>
-        </p:spPr>
-      </p:pic>
-      <p:pic>
-        <p:nvPicPr>
-          <p:cNvPr id="19" name="Рисунок 18"/>
-          <p:cNvPicPr>
-            <a:picLocks noChangeAspect="1"/>
-          </p:cNvPicPr>
-          <p:nvPr/>
-        </p:nvPicPr>
-        <p:blipFill>
-          <a:blip r:embed="rId6"/>
-          <a:stretch>
-            <a:fillRect/>
-          </a:stretch>
-        </p:blipFill>
-        <p:spPr>
-          <a:xfrm>
-            <a:off x="1936611" y="3552419"/>
-            <a:ext cx="173844" cy="137971"/>
-          </a:xfrm>
-          <a:prstGeom prst="rect">
-            <a:avLst/>
-          </a:prstGeom>
-        </p:spPr>
-      </p:pic>
-      <p:cxnSp>
-        <p:nvCxnSpPr>
-          <p:cNvPr id="20" name="Прямая со стрелкой 19"/>
-          <p:cNvCxnSpPr/>
-          <p:nvPr/>
-        </p:nvCxnSpPr>
-        <p:spPr>
-          <a:xfrm flipV="1">
-            <a:off x="1808334" y="3127910"/>
-            <a:ext cx="109417" cy="450851"/>
-          </a:xfrm>
-          <a:prstGeom prst="straightConnector1">
-            <a:avLst/>
-          </a:prstGeom>
-          <a:ln w="38100">
-            <a:solidFill>
-              <a:srgbClr val="FF0000"/>
-            </a:solidFill>
-            <a:tailEnd type="triangle"/>
-          </a:ln>
-        </p:spPr>
-        <p:style>
-          <a:lnRef idx="1">
-            <a:schemeClr val="accent1"/>
-          </a:lnRef>
-          <a:fillRef idx="0">
-            <a:schemeClr val="accent1"/>
-          </a:fillRef>
-          <a:effectRef idx="0">
-            <a:schemeClr val="accent1"/>
-          </a:effectRef>
-          <a:fontRef idx="minor">
-            <a:schemeClr val="tx1"/>
-          </a:fontRef>
-        </p:style>
-      </p:cxnSp>
+        <p:txBody>
+          <a:bodyPr rtlCol="0" anchor="ctr"/>
+          <a:lstStyle/>
+          <a:p>
+            <a:pPr algn="ctr"/>
+            <a:endParaRPr lang="ru-RU"/>
+          </a:p>
+        </p:txBody>
+      </p:sp>
     </p:spTree>
     <p:extLst>
       <p:ext uri="{BB962C8B-B14F-4D97-AF65-F5344CB8AC3E}">
-        <p14:creationId xmlns:p14="http://schemas.microsoft.com/office/powerpoint/2010/main" val="1813200486"/>
+        <p14:creationId xmlns:p14="http://schemas.microsoft.com/office/powerpoint/2010/main" val="991404593"/>
       </p:ext>
     </p:extLst>
   </p:cSld>
@@ -4009,7 +3947,7 @@
       </p:grpSpPr>
       <p:pic>
         <p:nvPicPr>
-          <p:cNvPr id="4" name="Рисунок 3"/>
+          <p:cNvPr id="2" name="Рисунок 1"/>
           <p:cNvPicPr>
             <a:picLocks noChangeAspect="1"/>
           </p:cNvPicPr>
@@ -4023,8 +3961,8 @@
         </p:blipFill>
         <p:spPr>
           <a:xfrm>
-            <a:off x="873440" y="872664"/>
-            <a:ext cx="10548168" cy="4142099"/>
+            <a:off x="740026" y="520700"/>
+            <a:ext cx="10466136" cy="4260850"/>
           </a:xfrm>
           <a:prstGeom prst="rect">
             <a:avLst/>
@@ -4033,7 +3971,7 @@
       </p:pic>
       <p:pic>
         <p:nvPicPr>
-          <p:cNvPr id="6" name="Рисунок 5"/>
+          <p:cNvPr id="3" name="Рисунок 2"/>
           <p:cNvPicPr>
             <a:picLocks noChangeAspect="1"/>
           </p:cNvPicPr>
@@ -4047,17 +3985,109 @@
         </p:blipFill>
         <p:spPr>
           <a:xfrm>
-            <a:off x="5613314" y="5235038"/>
-            <a:ext cx="1397086" cy="378362"/>
+            <a:off x="4125912" y="4781550"/>
+            <a:ext cx="2892955" cy="666713"/>
           </a:xfrm>
           <a:prstGeom prst="rect">
             <a:avLst/>
           </a:prstGeom>
         </p:spPr>
       </p:pic>
+      <p:sp>
+        <p:nvSpPr>
+          <p:cNvPr id="4" name="Прямоугольник 3"/>
+          <p:cNvSpPr/>
+          <p:nvPr/>
+        </p:nvSpPr>
+        <p:spPr>
+          <a:xfrm>
+            <a:off x="997493" y="4867427"/>
+            <a:ext cx="2279107" cy="580836"/>
+          </a:xfrm>
+          <a:prstGeom prst="rect">
+            <a:avLst/>
+          </a:prstGeom>
+        </p:spPr>
+        <p:style>
+          <a:lnRef idx="2">
+            <a:schemeClr val="accent6">
+              <a:shade val="50000"/>
+            </a:schemeClr>
+          </a:lnRef>
+          <a:fillRef idx="1">
+            <a:schemeClr val="accent6"/>
+          </a:fillRef>
+          <a:effectRef idx="0">
+            <a:schemeClr val="accent6"/>
+          </a:effectRef>
+          <a:fontRef idx="minor">
+            <a:schemeClr val="lt1"/>
+          </a:fontRef>
+        </p:style>
+        <p:txBody>
+          <a:bodyPr rtlCol="0" anchor="ctr"/>
+          <a:lstStyle/>
+          <a:p>
+            <a:pPr algn="ctr"/>
+            <a:r>
+              <a:rPr lang="en-US" dirty="0" smtClean="0"/>
+              <a:t>SW5=1 (</a:t>
+            </a:r>
+            <a:r>
+              <a:rPr lang="ru-RU" dirty="0" smtClean="0"/>
+              <a:t>Разрешение записи в регистр)</a:t>
+            </a:r>
+            <a:endParaRPr lang="ru-RU" dirty="0"/>
+          </a:p>
+        </p:txBody>
+      </p:sp>
+      <p:sp>
+        <p:nvSpPr>
+          <p:cNvPr id="9" name="Овал 8"/>
+          <p:cNvSpPr/>
+          <p:nvPr/>
+        </p:nvSpPr>
+        <p:spPr>
+          <a:xfrm>
+            <a:off x="1366957" y="2651125"/>
+            <a:ext cx="918393" cy="501977"/>
+          </a:xfrm>
+          <a:prstGeom prst="ellipse">
+            <a:avLst/>
+          </a:prstGeom>
+          <a:noFill/>
+          <a:ln w="38100">
+            <a:solidFill>
+              <a:srgbClr val="FF0000"/>
+            </a:solidFill>
+          </a:ln>
+        </p:spPr>
+        <p:style>
+          <a:lnRef idx="0">
+            <a:scrgbClr r="0" g="0" b="0"/>
+          </a:lnRef>
+          <a:fillRef idx="0">
+            <a:scrgbClr r="0" g="0" b="0"/>
+          </a:fillRef>
+          <a:effectRef idx="0">
+            <a:scrgbClr r="0" g="0" b="0"/>
+          </a:effectRef>
+          <a:fontRef idx="minor">
+            <a:schemeClr val="accent2"/>
+          </a:fontRef>
+        </p:style>
+        <p:txBody>
+          <a:bodyPr rtlCol="0" anchor="ctr"/>
+          <a:lstStyle/>
+          <a:p>
+            <a:pPr algn="ctr"/>
+            <a:endParaRPr lang="ru-RU"/>
+          </a:p>
+        </p:txBody>
+      </p:sp>
       <p:pic>
         <p:nvPicPr>
-          <p:cNvPr id="7" name="Рисунок 6"/>
+          <p:cNvPr id="10" name="Рисунок 9"/>
           <p:cNvPicPr>
             <a:picLocks noChangeAspect="1"/>
           </p:cNvPicPr>
@@ -4071,276 +4101,24 @@
         </p:blipFill>
         <p:spPr>
           <a:xfrm>
-            <a:off x="785004" y="3490665"/>
-            <a:ext cx="1742536" cy="652286"/>
+            <a:off x="546101" y="1574586"/>
+            <a:ext cx="1403864" cy="1076539"/>
           </a:xfrm>
           <a:prstGeom prst="rect">
             <a:avLst/>
           </a:prstGeom>
         </p:spPr>
       </p:pic>
-      <p:pic>
-        <p:nvPicPr>
-          <p:cNvPr id="8" name="Рисунок 7"/>
-          <p:cNvPicPr>
-            <a:picLocks noChangeAspect="1"/>
-          </p:cNvPicPr>
-          <p:nvPr/>
-        </p:nvPicPr>
-        <p:blipFill>
-          <a:blip r:embed="rId5"/>
-          <a:stretch>
-            <a:fillRect/>
-          </a:stretch>
-        </p:blipFill>
-        <p:spPr>
-          <a:xfrm>
-            <a:off x="2170430" y="3688081"/>
-            <a:ext cx="158386" cy="123190"/>
-          </a:xfrm>
-          <a:prstGeom prst="rect">
-            <a:avLst/>
-          </a:prstGeom>
-        </p:spPr>
-      </p:pic>
-      <p:pic>
-        <p:nvPicPr>
-          <p:cNvPr id="9" name="Рисунок 8"/>
-          <p:cNvPicPr>
-            <a:picLocks noChangeAspect="1"/>
-          </p:cNvPicPr>
-          <p:nvPr/>
-        </p:nvPicPr>
-        <p:blipFill>
-          <a:blip r:embed="rId5"/>
-          <a:stretch>
-            <a:fillRect/>
-          </a:stretch>
-        </p:blipFill>
-        <p:spPr>
-          <a:xfrm>
-            <a:off x="1758950" y="3881121"/>
-            <a:ext cx="158386" cy="123190"/>
-          </a:xfrm>
-          <a:prstGeom prst="rect">
-            <a:avLst/>
-          </a:prstGeom>
-        </p:spPr>
-      </p:pic>
-      <p:sp>
-        <p:nvSpPr>
-          <p:cNvPr id="10" name="TextBox 9"/>
-          <p:cNvSpPr txBox="1"/>
-          <p:nvPr/>
-        </p:nvSpPr>
-        <p:spPr>
-          <a:xfrm>
-            <a:off x="1682844" y="3773439"/>
-            <a:ext cx="288862" cy="338554"/>
-          </a:xfrm>
-          <a:prstGeom prst="rect">
-            <a:avLst/>
-          </a:prstGeom>
-          <a:noFill/>
-        </p:spPr>
-        <p:txBody>
-          <a:bodyPr wrap="none" rtlCol="0">
-            <a:spAutoFit/>
-          </a:bodyPr>
-          <a:lstStyle/>
-          <a:p>
-            <a:r>
-              <a:rPr lang="ru-RU" sz="1600" dirty="0" smtClean="0">
-                <a:solidFill>
-                  <a:srgbClr val="FF0000"/>
-                </a:solidFill>
-              </a:rPr>
-              <a:t>0</a:t>
-            </a:r>
-            <a:endParaRPr lang="ru-RU" sz="1600" dirty="0">
-              <a:solidFill>
-                <a:srgbClr val="FF0000"/>
-              </a:solidFill>
-            </a:endParaRPr>
-          </a:p>
-        </p:txBody>
-      </p:sp>
-      <p:sp>
-        <p:nvSpPr>
-          <p:cNvPr id="11" name="Прямоугольник 10"/>
-          <p:cNvSpPr/>
-          <p:nvPr/>
-        </p:nvSpPr>
-        <p:spPr>
-          <a:xfrm>
-            <a:off x="895030" y="2169160"/>
-            <a:ext cx="1370441" cy="579710"/>
-          </a:xfrm>
-          <a:prstGeom prst="rect">
-            <a:avLst/>
-          </a:prstGeom>
-        </p:spPr>
-        <p:style>
-          <a:lnRef idx="2">
-            <a:schemeClr val="accent6"/>
-          </a:lnRef>
-          <a:fillRef idx="1">
-            <a:schemeClr val="lt1"/>
-          </a:fillRef>
-          <a:effectRef idx="0">
-            <a:schemeClr val="accent6"/>
-          </a:effectRef>
-          <a:fontRef idx="minor">
-            <a:schemeClr val="dk1"/>
-          </a:fontRef>
-        </p:style>
-        <p:txBody>
-          <a:bodyPr rtlCol="0" anchor="ctr"/>
-          <a:lstStyle/>
-          <a:p>
-            <a:pPr algn="ctr"/>
-            <a:r>
-              <a:rPr lang="ru-RU" sz="1200" dirty="0" smtClean="0"/>
-              <a:t>Записался 0 </a:t>
-            </a:r>
-            <a:r>
-              <a:rPr lang="ru-RU" sz="1200" dirty="0"/>
-              <a:t>2</a:t>
-            </a:r>
-            <a:r>
-              <a:rPr lang="ru-RU" sz="1200" dirty="0" smtClean="0"/>
-              <a:t>-его разряда кода в первый регистр </a:t>
-            </a:r>
-            <a:endParaRPr lang="ru-RU" sz="1200" dirty="0"/>
-          </a:p>
-        </p:txBody>
-      </p:sp>
       <p:cxnSp>
         <p:nvCxnSpPr>
-          <p:cNvPr id="13" name="Прямая со стрелкой 12"/>
-          <p:cNvCxnSpPr>
-            <a:stCxn id="11" idx="3"/>
-          </p:cNvCxnSpPr>
+          <p:cNvPr id="11" name="Прямая со стрелкой 10"/>
+          <p:cNvCxnSpPr/>
           <p:nvPr/>
         </p:nvCxnSpPr>
         <p:spPr>
-          <a:xfrm flipV="1">
-            <a:off x="2265471" y="2387600"/>
-            <a:ext cx="1951537" cy="71415"/>
-          </a:xfrm>
-          <a:prstGeom prst="straightConnector1">
-            <a:avLst/>
-          </a:prstGeom>
-          <a:ln w="38100">
-            <a:solidFill>
-              <a:srgbClr val="FF0000"/>
-            </a:solidFill>
-            <a:tailEnd type="triangle"/>
-          </a:ln>
-        </p:spPr>
-        <p:style>
-          <a:lnRef idx="1">
-            <a:schemeClr val="accent1"/>
-          </a:lnRef>
-          <a:fillRef idx="0">
-            <a:schemeClr val="accent1"/>
-          </a:fillRef>
-          <a:effectRef idx="0">
-            <a:schemeClr val="accent1"/>
-          </a:effectRef>
-          <a:fontRef idx="minor">
-            <a:schemeClr val="tx1"/>
-          </a:fontRef>
-        </p:style>
-      </p:cxnSp>
-      <p:cxnSp>
-        <p:nvCxnSpPr>
-          <p:cNvPr id="17" name="Прямая со стрелкой 16"/>
-          <p:cNvCxnSpPr/>
-          <p:nvPr/>
-        </p:nvCxnSpPr>
-        <p:spPr>
-          <a:xfrm flipV="1">
-            <a:off x="1971706" y="3209406"/>
-            <a:ext cx="32972" cy="386271"/>
-          </a:xfrm>
-          <a:prstGeom prst="straightConnector1">
-            <a:avLst/>
-          </a:prstGeom>
-          <a:ln w="38100">
-            <a:solidFill>
-              <a:srgbClr val="FF0000"/>
-            </a:solidFill>
-            <a:tailEnd type="triangle"/>
-          </a:ln>
-        </p:spPr>
-        <p:style>
-          <a:lnRef idx="1">
-            <a:schemeClr val="accent1"/>
-          </a:lnRef>
-          <a:fillRef idx="0">
-            <a:schemeClr val="accent1"/>
-          </a:fillRef>
-          <a:effectRef idx="0">
-            <a:schemeClr val="accent1"/>
-          </a:effectRef>
-          <a:fontRef idx="minor">
-            <a:schemeClr val="tx1"/>
-          </a:fontRef>
-        </p:style>
-      </p:cxnSp>
-      <p:sp>
-        <p:nvSpPr>
-          <p:cNvPr id="20" name="Прямоугольник 19"/>
-          <p:cNvSpPr/>
-          <p:nvPr/>
-        </p:nvSpPr>
-        <p:spPr>
-          <a:xfrm>
-            <a:off x="4334105" y="2469175"/>
-            <a:ext cx="1370441" cy="579710"/>
-          </a:xfrm>
-          <a:prstGeom prst="rect">
-            <a:avLst/>
-          </a:prstGeom>
-        </p:spPr>
-        <p:style>
-          <a:lnRef idx="2">
-            <a:schemeClr val="accent6"/>
-          </a:lnRef>
-          <a:fillRef idx="1">
-            <a:schemeClr val="lt1"/>
-          </a:fillRef>
-          <a:effectRef idx="0">
-            <a:schemeClr val="accent6"/>
-          </a:effectRef>
-          <a:fontRef idx="minor">
-            <a:schemeClr val="dk1"/>
-          </a:fontRef>
-        </p:style>
-        <p:txBody>
-          <a:bodyPr rtlCol="0" anchor="ctr"/>
-          <a:lstStyle/>
-          <a:p>
-            <a:pPr algn="ctr"/>
-            <a:r>
-              <a:rPr lang="ru-RU" sz="1200" dirty="0" smtClean="0"/>
-              <a:t>Произошел сдвиг 1-ого разряда во 2-ой триггер</a:t>
-            </a:r>
-            <a:endParaRPr lang="ru-RU" sz="1200" dirty="0"/>
-          </a:p>
-        </p:txBody>
-      </p:sp>
-      <p:cxnSp>
-        <p:nvCxnSpPr>
-          <p:cNvPr id="21" name="Прямая со стрелкой 20"/>
-          <p:cNvCxnSpPr/>
-          <p:nvPr/>
-        </p:nvCxnSpPr>
-        <p:spPr>
-          <a:xfrm>
-            <a:off x="4395065" y="2365240"/>
-            <a:ext cx="1050695" cy="5285"/>
+          <a:xfrm>
+            <a:off x="1890698" y="2252133"/>
+            <a:ext cx="2111403" cy="0"/>
           </a:xfrm>
           <a:prstGeom prst="straightConnector1">
             <a:avLst/>
@@ -4369,7 +4147,31 @@
       </p:cxnSp>
       <p:pic>
         <p:nvPicPr>
-          <p:cNvPr id="25" name="Рисунок 24"/>
+          <p:cNvPr id="17" name="Рисунок 16"/>
+          <p:cNvPicPr>
+            <a:picLocks noChangeAspect="1"/>
+          </p:cNvPicPr>
+          <p:nvPr/>
+        </p:nvPicPr>
+        <p:blipFill>
+          <a:blip r:embed="rId5"/>
+          <a:stretch>
+            <a:fillRect/>
+          </a:stretch>
+        </p:blipFill>
+        <p:spPr>
+          <a:xfrm>
+            <a:off x="457200" y="3353336"/>
+            <a:ext cx="1878950" cy="703350"/>
+          </a:xfrm>
+          <a:prstGeom prst="rect">
+            <a:avLst/>
+          </a:prstGeom>
+        </p:spPr>
+      </p:pic>
+      <p:pic>
+        <p:nvPicPr>
+          <p:cNvPr id="19" name="Рисунок 18"/>
           <p:cNvPicPr>
             <a:picLocks noChangeAspect="1"/>
           </p:cNvPicPr>
@@ -4383,60 +4185,54 @@
         </p:blipFill>
         <p:spPr>
           <a:xfrm>
-            <a:off x="4720686" y="5005796"/>
-            <a:ext cx="2206326" cy="301160"/>
+            <a:off x="1936611" y="3552419"/>
+            <a:ext cx="173844" cy="137971"/>
           </a:xfrm>
           <a:prstGeom prst="rect">
             <a:avLst/>
           </a:prstGeom>
         </p:spPr>
       </p:pic>
-      <p:sp>
-        <p:nvSpPr>
-          <p:cNvPr id="27" name="Прямоугольник 26"/>
-          <p:cNvSpPr/>
-          <p:nvPr/>
-        </p:nvSpPr>
-        <p:spPr>
-          <a:xfrm>
-            <a:off x="5025469" y="4746120"/>
-            <a:ext cx="1388083" cy="259676"/>
-          </a:xfrm>
-          <a:prstGeom prst="rect">
-            <a:avLst/>
-          </a:prstGeom>
+      <p:cxnSp>
+        <p:nvCxnSpPr>
+          <p:cNvPr id="20" name="Прямая со стрелкой 19"/>
+          <p:cNvCxnSpPr/>
+          <p:nvPr/>
+        </p:nvCxnSpPr>
+        <p:spPr>
+          <a:xfrm flipV="1">
+            <a:off x="1808334" y="3127910"/>
+            <a:ext cx="109417" cy="450851"/>
+          </a:xfrm>
+          <a:prstGeom prst="straightConnector1">
+            <a:avLst/>
+          </a:prstGeom>
+          <a:ln w="38100">
+            <a:solidFill>
+              <a:srgbClr val="FF0000"/>
+            </a:solidFill>
+            <a:tailEnd type="triangle"/>
+          </a:ln>
         </p:spPr>
         <p:style>
-          <a:lnRef idx="2">
-            <a:schemeClr val="accent6"/>
+          <a:lnRef idx="1">
+            <a:schemeClr val="accent1"/>
           </a:lnRef>
-          <a:fillRef idx="1">
-            <a:schemeClr val="lt1"/>
+          <a:fillRef idx="0">
+            <a:schemeClr val="accent1"/>
           </a:fillRef>
           <a:effectRef idx="0">
-            <a:schemeClr val="accent6"/>
+            <a:schemeClr val="accent1"/>
           </a:effectRef>
           <a:fontRef idx="minor">
-            <a:schemeClr val="dk1"/>
+            <a:schemeClr val="tx1"/>
           </a:fontRef>
         </p:style>
-        <p:txBody>
-          <a:bodyPr rtlCol="0" anchor="ctr"/>
-          <a:lstStyle/>
-          <a:p>
-            <a:pPr algn="ctr"/>
-            <a:r>
-              <a:rPr lang="ru-RU" sz="1200" dirty="0" smtClean="0"/>
-              <a:t>Перевести ключи</a:t>
-            </a:r>
-            <a:endParaRPr lang="ru-RU" sz="1200" dirty="0"/>
-          </a:p>
-        </p:txBody>
-      </p:sp>
+      </p:cxnSp>
     </p:spTree>
     <p:extLst>
       <p:ext uri="{BB962C8B-B14F-4D97-AF65-F5344CB8AC3E}">
-        <p14:creationId xmlns:p14="http://schemas.microsoft.com/office/powerpoint/2010/main" val="3505227943"/>
+        <p14:creationId xmlns:p14="http://schemas.microsoft.com/office/powerpoint/2010/main" val="1813200486"/>
       </p:ext>
     </p:extLst>
   </p:cSld>
@@ -4486,24 +4282,158 @@
         </p:blipFill>
         <p:spPr>
           <a:xfrm>
-            <a:off x="413636" y="736600"/>
-            <a:ext cx="11310132" cy="4457700"/>
+            <a:off x="873440" y="872664"/>
+            <a:ext cx="10548168" cy="4142099"/>
           </a:xfrm>
           <a:prstGeom prst="rect">
             <a:avLst/>
           </a:prstGeom>
         </p:spPr>
       </p:pic>
-      <p:sp>
-        <p:nvSpPr>
-          <p:cNvPr id="5" name="Прямоугольник 4"/>
+      <p:pic>
+        <p:nvPicPr>
+          <p:cNvPr id="6" name="Рисунок 5"/>
+          <p:cNvPicPr>
+            <a:picLocks noChangeAspect="1"/>
+          </p:cNvPicPr>
+          <p:nvPr/>
+        </p:nvPicPr>
+        <p:blipFill>
+          <a:blip r:embed="rId3"/>
+          <a:stretch>
+            <a:fillRect/>
+          </a:stretch>
+        </p:blipFill>
+        <p:spPr>
+          <a:xfrm>
+            <a:off x="5613314" y="5235038"/>
+            <a:ext cx="1397086" cy="378362"/>
+          </a:xfrm>
+          <a:prstGeom prst="rect">
+            <a:avLst/>
+          </a:prstGeom>
+        </p:spPr>
+      </p:pic>
+      <p:pic>
+        <p:nvPicPr>
+          <p:cNvPr id="7" name="Рисунок 6"/>
+          <p:cNvPicPr>
+            <a:picLocks noChangeAspect="1"/>
+          </p:cNvPicPr>
+          <p:nvPr/>
+        </p:nvPicPr>
+        <p:blipFill>
+          <a:blip r:embed="rId4"/>
+          <a:stretch>
+            <a:fillRect/>
+          </a:stretch>
+        </p:blipFill>
+        <p:spPr>
+          <a:xfrm>
+            <a:off x="785004" y="3490665"/>
+            <a:ext cx="1742536" cy="652286"/>
+          </a:xfrm>
+          <a:prstGeom prst="rect">
+            <a:avLst/>
+          </a:prstGeom>
+        </p:spPr>
+      </p:pic>
+      <p:pic>
+        <p:nvPicPr>
+          <p:cNvPr id="8" name="Рисунок 7"/>
+          <p:cNvPicPr>
+            <a:picLocks noChangeAspect="1"/>
+          </p:cNvPicPr>
+          <p:nvPr/>
+        </p:nvPicPr>
+        <p:blipFill>
+          <a:blip r:embed="rId5"/>
+          <a:stretch>
+            <a:fillRect/>
+          </a:stretch>
+        </p:blipFill>
+        <p:spPr>
+          <a:xfrm>
+            <a:off x="2170430" y="3688081"/>
+            <a:ext cx="158386" cy="123190"/>
+          </a:xfrm>
+          <a:prstGeom prst="rect">
+            <a:avLst/>
+          </a:prstGeom>
+        </p:spPr>
+      </p:pic>
+      <p:pic>
+        <p:nvPicPr>
+          <p:cNvPr id="9" name="Рисунок 8"/>
+          <p:cNvPicPr>
+            <a:picLocks noChangeAspect="1"/>
+          </p:cNvPicPr>
+          <p:nvPr/>
+        </p:nvPicPr>
+        <p:blipFill>
+          <a:blip r:embed="rId5"/>
+          <a:stretch>
+            <a:fillRect/>
+          </a:stretch>
+        </p:blipFill>
+        <p:spPr>
+          <a:xfrm>
+            <a:off x="1758950" y="3881121"/>
+            <a:ext cx="158386" cy="123190"/>
+          </a:xfrm>
+          <a:prstGeom prst="rect">
+            <a:avLst/>
+          </a:prstGeom>
+        </p:spPr>
+      </p:pic>
+      <p:sp>
+        <p:nvSpPr>
+          <p:cNvPr id="10" name="TextBox 9"/>
+          <p:cNvSpPr txBox="1"/>
+          <p:nvPr/>
+        </p:nvSpPr>
+        <p:spPr>
+          <a:xfrm>
+            <a:off x="1682844" y="3773439"/>
+            <a:ext cx="288862" cy="338554"/>
+          </a:xfrm>
+          <a:prstGeom prst="rect">
+            <a:avLst/>
+          </a:prstGeom>
+          <a:noFill/>
+        </p:spPr>
+        <p:txBody>
+          <a:bodyPr wrap="none" rtlCol="0">
+            <a:spAutoFit/>
+          </a:bodyPr>
+          <a:lstStyle/>
+          <a:p>
+            <a:r>
+              <a:rPr lang="ru-RU" sz="1600" dirty="0" smtClean="0">
+                <a:solidFill>
+                  <a:srgbClr val="FF0000"/>
+                </a:solidFill>
+              </a:rPr>
+              <a:t>0</a:t>
+            </a:r>
+            <a:endParaRPr lang="ru-RU" sz="1600" dirty="0">
+              <a:solidFill>
+                <a:srgbClr val="FF0000"/>
+              </a:solidFill>
+            </a:endParaRPr>
+          </a:p>
+        </p:txBody>
+      </p:sp>
+      <p:sp>
+        <p:nvSpPr>
+          <p:cNvPr id="11" name="Прямоугольник 10"/>
           <p:cNvSpPr/>
           <p:nvPr/>
         </p:nvSpPr>
         <p:spPr>
           <a:xfrm>
-            <a:off x="3958669" y="4898520"/>
-            <a:ext cx="3127931" cy="295780"/>
+            <a:off x="895030" y="2169160"/>
+            <a:ext cx="1370441" cy="579710"/>
           </a:xfrm>
           <a:prstGeom prst="rect">
             <a:avLst/>
@@ -4530,22 +4460,104 @@
             <a:pPr algn="ctr"/>
             <a:r>
               <a:rPr lang="ru-RU" sz="1200" dirty="0" smtClean="0"/>
-              <a:t>Продолжим подавать код 1001</a:t>
+              <a:t>Записался 0 </a:t>
+            </a:r>
+            <a:r>
+              <a:rPr lang="ru-RU" sz="1200" dirty="0"/>
+              <a:t>2</a:t>
+            </a:r>
+            <a:r>
+              <a:rPr lang="ru-RU" sz="1200" dirty="0" smtClean="0"/>
+              <a:t>-его разряда кода в первый регистр </a:t>
             </a:r>
             <a:endParaRPr lang="ru-RU" sz="1200" dirty="0"/>
           </a:p>
         </p:txBody>
       </p:sp>
-      <p:sp>
-        <p:nvSpPr>
-          <p:cNvPr id="6" name="Прямоугольник 5"/>
+      <p:cxnSp>
+        <p:nvCxnSpPr>
+          <p:cNvPr id="13" name="Прямая со стрелкой 12"/>
+          <p:cNvCxnSpPr>
+            <a:stCxn id="11" idx="3"/>
+          </p:cNvCxnSpPr>
+          <p:nvPr/>
+        </p:nvCxnSpPr>
+        <p:spPr>
+          <a:xfrm flipV="1">
+            <a:off x="2265471" y="2387600"/>
+            <a:ext cx="1951537" cy="71415"/>
+          </a:xfrm>
+          <a:prstGeom prst="straightConnector1">
+            <a:avLst/>
+          </a:prstGeom>
+          <a:ln w="38100">
+            <a:solidFill>
+              <a:srgbClr val="FF0000"/>
+            </a:solidFill>
+            <a:tailEnd type="triangle"/>
+          </a:ln>
+        </p:spPr>
+        <p:style>
+          <a:lnRef idx="1">
+            <a:schemeClr val="accent1"/>
+          </a:lnRef>
+          <a:fillRef idx="0">
+            <a:schemeClr val="accent1"/>
+          </a:fillRef>
+          <a:effectRef idx="0">
+            <a:schemeClr val="accent1"/>
+          </a:effectRef>
+          <a:fontRef idx="minor">
+            <a:schemeClr val="tx1"/>
+          </a:fontRef>
+        </p:style>
+      </p:cxnSp>
+      <p:cxnSp>
+        <p:nvCxnSpPr>
+          <p:cNvPr id="17" name="Прямая со стрелкой 16"/>
+          <p:cNvCxnSpPr/>
+          <p:nvPr/>
+        </p:nvCxnSpPr>
+        <p:spPr>
+          <a:xfrm flipV="1">
+            <a:off x="1971706" y="3209406"/>
+            <a:ext cx="32972" cy="386271"/>
+          </a:xfrm>
+          <a:prstGeom prst="straightConnector1">
+            <a:avLst/>
+          </a:prstGeom>
+          <a:ln w="38100">
+            <a:solidFill>
+              <a:srgbClr val="FF0000"/>
+            </a:solidFill>
+            <a:tailEnd type="triangle"/>
+          </a:ln>
+        </p:spPr>
+        <p:style>
+          <a:lnRef idx="1">
+            <a:schemeClr val="accent1"/>
+          </a:lnRef>
+          <a:fillRef idx="0">
+            <a:schemeClr val="accent1"/>
+          </a:fillRef>
+          <a:effectRef idx="0">
+            <a:schemeClr val="accent1"/>
+          </a:effectRef>
+          <a:fontRef idx="minor">
+            <a:schemeClr val="tx1"/>
+          </a:fontRef>
+        </p:style>
+      </p:cxnSp>
+      <p:sp>
+        <p:nvSpPr>
+          <p:cNvPr id="20" name="Прямоугольник 19"/>
           <p:cNvSpPr/>
           <p:nvPr/>
         </p:nvSpPr>
         <p:spPr>
           <a:xfrm>
-            <a:off x="4728884" y="5283200"/>
-            <a:ext cx="1587500" cy="279400"/>
+            <a:off x="4334105" y="2469175"/>
+            <a:ext cx="1370441" cy="579710"/>
           </a:xfrm>
           <a:prstGeom prst="rect">
             <a:avLst/>
@@ -4572,30 +4584,66 @@
             <a:pPr algn="ctr"/>
             <a:r>
               <a:rPr lang="ru-RU" sz="1200" dirty="0" smtClean="0"/>
-              <a:t>Переведем ключи</a:t>
+              <a:t>Произошел сдвиг 1-ого разряда во 2-ой триггер</a:t>
             </a:r>
             <a:endParaRPr lang="ru-RU" sz="1200" dirty="0"/>
           </a:p>
         </p:txBody>
       </p:sp>
+      <p:cxnSp>
+        <p:nvCxnSpPr>
+          <p:cNvPr id="21" name="Прямая со стрелкой 20"/>
+          <p:cNvCxnSpPr/>
+          <p:nvPr/>
+        </p:nvCxnSpPr>
+        <p:spPr>
+          <a:xfrm>
+            <a:off x="4395065" y="2365240"/>
+            <a:ext cx="1050695" cy="5285"/>
+          </a:xfrm>
+          <a:prstGeom prst="straightConnector1">
+            <a:avLst/>
+          </a:prstGeom>
+          <a:ln w="38100">
+            <a:solidFill>
+              <a:srgbClr val="FF0000"/>
+            </a:solidFill>
+            <a:tailEnd type="triangle"/>
+          </a:ln>
+        </p:spPr>
+        <p:style>
+          <a:lnRef idx="1">
+            <a:schemeClr val="accent1"/>
+          </a:lnRef>
+          <a:fillRef idx="0">
+            <a:schemeClr val="accent1"/>
+          </a:fillRef>
+          <a:effectRef idx="0">
+            <a:schemeClr val="accent1"/>
+          </a:effectRef>
+          <a:fontRef idx="minor">
+            <a:schemeClr val="tx1"/>
+          </a:fontRef>
+        </p:style>
+      </p:cxnSp>
       <p:pic>
         <p:nvPicPr>
-          <p:cNvPr id="7" name="Рисунок 6"/>
+          <p:cNvPr id="25" name="Рисунок 24"/>
           <p:cNvPicPr>
             <a:picLocks noChangeAspect="1"/>
           </p:cNvPicPr>
           <p:nvPr/>
         </p:nvPicPr>
         <p:blipFill>
-          <a:blip r:embed="rId3"/>
+          <a:blip r:embed="rId6"/>
           <a:stretch>
             <a:fillRect/>
           </a:stretch>
         </p:blipFill>
         <p:spPr>
           <a:xfrm>
-            <a:off x="4377769" y="5651500"/>
-            <a:ext cx="2556431" cy="284820"/>
+            <a:off x="4720686" y="5005796"/>
+            <a:ext cx="2206326" cy="301160"/>
           </a:xfrm>
           <a:prstGeom prst="rect">
             <a:avLst/>
@@ -4604,14 +4652,14 @@
       </p:pic>
       <p:sp>
         <p:nvSpPr>
-          <p:cNvPr id="8" name="Прямоугольник 7"/>
+          <p:cNvPr id="27" name="Прямоугольник 26"/>
           <p:cNvSpPr/>
           <p:nvPr/>
         </p:nvSpPr>
         <p:spPr>
           <a:xfrm>
-            <a:off x="514030" y="3640667"/>
-            <a:ext cx="1370441" cy="579710"/>
+            <a:off x="5025469" y="4746120"/>
+            <a:ext cx="1388083" cy="259676"/>
           </a:xfrm>
           <a:prstGeom prst="rect">
             <a:avLst/>
@@ -4638,286 +4686,16 @@
             <a:pPr algn="ctr"/>
             <a:r>
               <a:rPr lang="ru-RU" sz="1200" dirty="0" smtClean="0"/>
-              <a:t>Установим ключ в положение 0</a:t>
+              <a:t>Перевести ключи</a:t>
             </a:r>
             <a:endParaRPr lang="ru-RU" sz="1200" dirty="0"/>
           </a:p>
         </p:txBody>
       </p:sp>
-      <p:cxnSp>
-        <p:nvCxnSpPr>
-          <p:cNvPr id="9" name="Прямая со стрелкой 8"/>
-          <p:cNvCxnSpPr/>
-          <p:nvPr/>
-        </p:nvCxnSpPr>
-        <p:spPr>
-          <a:xfrm flipV="1">
-            <a:off x="1884471" y="2400300"/>
-            <a:ext cx="1951537" cy="71415"/>
-          </a:xfrm>
-          <a:prstGeom prst="straightConnector1">
-            <a:avLst/>
-          </a:prstGeom>
-          <a:ln w="38100">
-            <a:solidFill>
-              <a:srgbClr val="FF0000"/>
-            </a:solidFill>
-            <a:tailEnd type="triangle"/>
-          </a:ln>
-        </p:spPr>
-        <p:style>
-          <a:lnRef idx="1">
-            <a:schemeClr val="accent1"/>
-          </a:lnRef>
-          <a:fillRef idx="0">
-            <a:schemeClr val="accent1"/>
-          </a:fillRef>
-          <a:effectRef idx="0">
-            <a:schemeClr val="accent1"/>
-          </a:effectRef>
-          <a:fontRef idx="minor">
-            <a:schemeClr val="tx1"/>
-          </a:fontRef>
-        </p:style>
-      </p:cxnSp>
-      <p:cxnSp>
-        <p:nvCxnSpPr>
-          <p:cNvPr id="10" name="Прямая со стрелкой 9"/>
-          <p:cNvCxnSpPr/>
-          <p:nvPr/>
-        </p:nvCxnSpPr>
-        <p:spPr>
-          <a:xfrm flipH="1" flipV="1">
-            <a:off x="1532467" y="3149748"/>
-            <a:ext cx="76200" cy="475381"/>
-          </a:xfrm>
-          <a:prstGeom prst="straightConnector1">
-            <a:avLst/>
-          </a:prstGeom>
-          <a:ln w="38100">
-            <a:solidFill>
-              <a:srgbClr val="FF0000"/>
-            </a:solidFill>
-            <a:tailEnd type="triangle"/>
-          </a:ln>
-        </p:spPr>
-        <p:style>
-          <a:lnRef idx="1">
-            <a:schemeClr val="accent1"/>
-          </a:lnRef>
-          <a:fillRef idx="0">
-            <a:schemeClr val="accent1"/>
-          </a:fillRef>
-          <a:effectRef idx="0">
-            <a:schemeClr val="accent1"/>
-          </a:effectRef>
-          <a:fontRef idx="minor">
-            <a:schemeClr val="tx1"/>
-          </a:fontRef>
-        </p:style>
-      </p:cxnSp>
-      <p:sp>
-        <p:nvSpPr>
-          <p:cNvPr id="15" name="Прямоугольник 14"/>
-          <p:cNvSpPr/>
-          <p:nvPr/>
-        </p:nvSpPr>
-        <p:spPr>
-          <a:xfrm>
-            <a:off x="666430" y="2334260"/>
-            <a:ext cx="1370441" cy="579710"/>
-          </a:xfrm>
-          <a:prstGeom prst="rect">
-            <a:avLst/>
-          </a:prstGeom>
-        </p:spPr>
-        <p:style>
-          <a:lnRef idx="2">
-            <a:schemeClr val="accent6"/>
-          </a:lnRef>
-          <a:fillRef idx="1">
-            <a:schemeClr val="lt1"/>
-          </a:fillRef>
-          <a:effectRef idx="0">
-            <a:schemeClr val="accent6"/>
-          </a:effectRef>
-          <a:fontRef idx="minor">
-            <a:schemeClr val="dk1"/>
-          </a:fontRef>
-        </p:style>
-        <p:txBody>
-          <a:bodyPr rtlCol="0" anchor="ctr"/>
-          <a:lstStyle/>
-          <a:p>
-            <a:pPr algn="ctr"/>
-            <a:r>
-              <a:rPr lang="ru-RU" sz="1200" dirty="0" smtClean="0"/>
-              <a:t>Записался 0 3-его разряда кода в первый регистр </a:t>
-            </a:r>
-            <a:endParaRPr lang="ru-RU" sz="1200" dirty="0"/>
-          </a:p>
-        </p:txBody>
-      </p:sp>
-      <p:sp>
-        <p:nvSpPr>
-          <p:cNvPr id="20" name="Прямоугольник 19"/>
-          <p:cNvSpPr/>
-          <p:nvPr/>
-        </p:nvSpPr>
-        <p:spPr>
-          <a:xfrm>
-            <a:off x="4152193" y="2454230"/>
-            <a:ext cx="1370441" cy="579710"/>
-          </a:xfrm>
-          <a:prstGeom prst="rect">
-            <a:avLst/>
-          </a:prstGeom>
-        </p:spPr>
-        <p:style>
-          <a:lnRef idx="2">
-            <a:schemeClr val="accent6"/>
-          </a:lnRef>
-          <a:fillRef idx="1">
-            <a:schemeClr val="lt1"/>
-          </a:fillRef>
-          <a:effectRef idx="0">
-            <a:schemeClr val="accent6"/>
-          </a:effectRef>
-          <a:fontRef idx="minor">
-            <a:schemeClr val="dk1"/>
-          </a:fontRef>
-        </p:style>
-        <p:txBody>
-          <a:bodyPr rtlCol="0" anchor="ctr"/>
-          <a:lstStyle/>
-          <a:p>
-            <a:pPr algn="ctr"/>
-            <a:r>
-              <a:rPr lang="ru-RU" sz="1200" dirty="0" smtClean="0"/>
-              <a:t>Произошел сдвиг 2-ого разряда во 2-ой триггер</a:t>
-            </a:r>
-            <a:endParaRPr lang="ru-RU" sz="1200" dirty="0"/>
-          </a:p>
-        </p:txBody>
-      </p:sp>
-      <p:cxnSp>
-        <p:nvCxnSpPr>
-          <p:cNvPr id="21" name="Прямая со стрелкой 20"/>
-          <p:cNvCxnSpPr/>
-          <p:nvPr/>
-        </p:nvCxnSpPr>
-        <p:spPr>
-          <a:xfrm flipV="1">
-            <a:off x="4152193" y="2221766"/>
-            <a:ext cx="1122540" cy="48999"/>
-          </a:xfrm>
-          <a:prstGeom prst="straightConnector1">
-            <a:avLst/>
-          </a:prstGeom>
-          <a:ln w="38100">
-            <a:solidFill>
-              <a:srgbClr val="FF0000"/>
-            </a:solidFill>
-            <a:tailEnd type="triangle"/>
-          </a:ln>
-        </p:spPr>
-        <p:style>
-          <a:lnRef idx="1">
-            <a:schemeClr val="accent1"/>
-          </a:lnRef>
-          <a:fillRef idx="0">
-            <a:schemeClr val="accent1"/>
-          </a:fillRef>
-          <a:effectRef idx="0">
-            <a:schemeClr val="accent1"/>
-          </a:effectRef>
-          <a:fontRef idx="minor">
-            <a:schemeClr val="tx1"/>
-          </a:fontRef>
-        </p:style>
-      </p:cxnSp>
-      <p:sp>
-        <p:nvSpPr>
-          <p:cNvPr id="24" name="Прямоугольник 23"/>
-          <p:cNvSpPr/>
-          <p:nvPr/>
-        </p:nvSpPr>
-        <p:spPr>
-          <a:xfrm>
-            <a:off x="5631163" y="2471715"/>
-            <a:ext cx="1370441" cy="579710"/>
-          </a:xfrm>
-          <a:prstGeom prst="rect">
-            <a:avLst/>
-          </a:prstGeom>
-        </p:spPr>
-        <p:style>
-          <a:lnRef idx="2">
-            <a:schemeClr val="accent6"/>
-          </a:lnRef>
-          <a:fillRef idx="1">
-            <a:schemeClr val="lt1"/>
-          </a:fillRef>
-          <a:effectRef idx="0">
-            <a:schemeClr val="accent6"/>
-          </a:effectRef>
-          <a:fontRef idx="minor">
-            <a:schemeClr val="dk1"/>
-          </a:fontRef>
-        </p:style>
-        <p:txBody>
-          <a:bodyPr rtlCol="0" anchor="ctr"/>
-          <a:lstStyle/>
-          <a:p>
-            <a:pPr algn="ctr"/>
-            <a:r>
-              <a:rPr lang="ru-RU" sz="1200" dirty="0" smtClean="0"/>
-              <a:t>Произошел сдвиг 1-ого разряда во 3-ой триггер</a:t>
-            </a:r>
-            <a:endParaRPr lang="ru-RU" sz="1200" dirty="0"/>
-          </a:p>
-        </p:txBody>
-      </p:sp>
-      <p:cxnSp>
-        <p:nvCxnSpPr>
-          <p:cNvPr id="25" name="Прямая со стрелкой 24"/>
-          <p:cNvCxnSpPr/>
-          <p:nvPr/>
-        </p:nvCxnSpPr>
-        <p:spPr>
-          <a:xfrm flipV="1">
-            <a:off x="5507432" y="2207614"/>
-            <a:ext cx="1122540" cy="48999"/>
-          </a:xfrm>
-          <a:prstGeom prst="straightConnector1">
-            <a:avLst/>
-          </a:prstGeom>
-          <a:ln w="38100">
-            <a:solidFill>
-              <a:srgbClr val="FF0000"/>
-            </a:solidFill>
-            <a:tailEnd type="triangle"/>
-          </a:ln>
-        </p:spPr>
-        <p:style>
-          <a:lnRef idx="1">
-            <a:schemeClr val="accent1"/>
-          </a:lnRef>
-          <a:fillRef idx="0">
-            <a:schemeClr val="accent1"/>
-          </a:fillRef>
-          <a:effectRef idx="0">
-            <a:schemeClr val="accent1"/>
-          </a:effectRef>
-          <a:fontRef idx="minor">
-            <a:schemeClr val="tx1"/>
-          </a:fontRef>
-        </p:style>
-      </p:cxnSp>
     </p:spTree>
     <p:extLst>
       <p:ext uri="{BB962C8B-B14F-4D97-AF65-F5344CB8AC3E}">
-        <p14:creationId xmlns:p14="http://schemas.microsoft.com/office/powerpoint/2010/main" val="31399423"/>
+        <p14:creationId xmlns:p14="http://schemas.microsoft.com/office/powerpoint/2010/main" val="3505227943"/>
       </p:ext>
     </p:extLst>
   </p:cSld>
@@ -4967,8 +4745,8 @@
         </p:blipFill>
         <p:spPr>
           <a:xfrm>
-            <a:off x="855188" y="1686943"/>
-            <a:ext cx="9938703" cy="3554412"/>
+            <a:off x="413636" y="736600"/>
+            <a:ext cx="11310132" cy="4457700"/>
           </a:xfrm>
           <a:prstGeom prst="rect">
             <a:avLst/>
@@ -4983,7 +4761,7 @@
         </p:nvSpPr>
         <p:spPr>
           <a:xfrm>
-            <a:off x="3777515" y="5241355"/>
+            <a:off x="3958669" y="4898520"/>
             <a:ext cx="3127931" cy="295780"/>
           </a:xfrm>
           <a:prstGeom prst="rect">
@@ -5017,135 +4795,15 @@
           </a:p>
         </p:txBody>
       </p:sp>
-      <p:pic>
-        <p:nvPicPr>
-          <p:cNvPr id="6" name="Рисунок 5"/>
-          <p:cNvPicPr>
-            <a:picLocks noChangeAspect="1"/>
-          </p:cNvPicPr>
-          <p:nvPr/>
-        </p:nvPicPr>
-        <p:blipFill>
-          <a:blip r:embed="rId3"/>
-          <a:stretch>
-            <a:fillRect/>
-          </a:stretch>
-        </p:blipFill>
-        <p:spPr>
-          <a:xfrm>
-            <a:off x="4046059" y="5883771"/>
-            <a:ext cx="2354741" cy="372178"/>
-          </a:xfrm>
-          <a:prstGeom prst="rect">
-            <a:avLst/>
-          </a:prstGeom>
-        </p:spPr>
-      </p:pic>
-      <p:cxnSp>
-        <p:nvCxnSpPr>
-          <p:cNvPr id="8" name="Прямая со стрелкой 7"/>
-          <p:cNvCxnSpPr/>
-          <p:nvPr/>
-        </p:nvCxnSpPr>
-        <p:spPr>
-          <a:xfrm flipH="1" flipV="1">
-            <a:off x="1457865" y="4528868"/>
-            <a:ext cx="17252" cy="465827"/>
-          </a:xfrm>
-          <a:prstGeom prst="straightConnector1">
-            <a:avLst/>
-          </a:prstGeom>
-          <a:ln w="38100">
-            <a:solidFill>
-              <a:srgbClr val="FF0000"/>
-            </a:solidFill>
-            <a:tailEnd type="triangle"/>
-          </a:ln>
-        </p:spPr>
-        <p:style>
-          <a:lnRef idx="1">
-            <a:schemeClr val="accent1"/>
-          </a:lnRef>
-          <a:fillRef idx="0">
-            <a:schemeClr val="accent1"/>
-          </a:fillRef>
-          <a:effectRef idx="0">
-            <a:schemeClr val="accent1"/>
-          </a:effectRef>
-          <a:fontRef idx="minor">
-            <a:schemeClr val="tx1"/>
-          </a:fontRef>
-        </p:style>
-      </p:cxnSp>
-      <p:pic>
-        <p:nvPicPr>
-          <p:cNvPr id="11" name="Рисунок 10"/>
-          <p:cNvPicPr>
-            <a:picLocks noChangeAspect="1"/>
-          </p:cNvPicPr>
-          <p:nvPr/>
-        </p:nvPicPr>
-        <p:blipFill>
-          <a:blip r:embed="rId4"/>
-          <a:stretch>
-            <a:fillRect/>
-          </a:stretch>
-        </p:blipFill>
-        <p:spPr>
-          <a:xfrm>
-            <a:off x="263196" y="4388363"/>
-            <a:ext cx="1805010" cy="667255"/>
-          </a:xfrm>
-          <a:prstGeom prst="rect">
-            <a:avLst/>
-          </a:prstGeom>
-        </p:spPr>
-      </p:pic>
-      <p:cxnSp>
-        <p:nvCxnSpPr>
-          <p:cNvPr id="12" name="Прямая со стрелкой 11"/>
-          <p:cNvCxnSpPr/>
-          <p:nvPr/>
-        </p:nvCxnSpPr>
-        <p:spPr>
-          <a:xfrm flipV="1">
-            <a:off x="1551317" y="4092583"/>
-            <a:ext cx="96328" cy="436286"/>
-          </a:xfrm>
-          <a:prstGeom prst="straightConnector1">
-            <a:avLst/>
-          </a:prstGeom>
-          <a:ln w="38100">
-            <a:solidFill>
-              <a:srgbClr val="FF0000"/>
-            </a:solidFill>
-            <a:tailEnd type="triangle"/>
-          </a:ln>
-        </p:spPr>
-        <p:style>
-          <a:lnRef idx="1">
-            <a:schemeClr val="accent1"/>
-          </a:lnRef>
-          <a:fillRef idx="0">
-            <a:schemeClr val="accent1"/>
-          </a:fillRef>
-          <a:effectRef idx="0">
-            <a:schemeClr val="accent1"/>
-          </a:effectRef>
-          <a:fontRef idx="minor">
-            <a:schemeClr val="tx1"/>
-          </a:fontRef>
-        </p:style>
-      </p:cxnSp>
-      <p:sp>
-        <p:nvSpPr>
-          <p:cNvPr id="14" name="Прямоугольник 13"/>
+      <p:sp>
+        <p:nvSpPr>
+          <p:cNvPr id="6" name="Прямоугольник 5"/>
           <p:cNvSpPr/>
           <p:nvPr/>
         </p:nvSpPr>
         <p:spPr>
           <a:xfrm>
-            <a:off x="4547730" y="5537135"/>
+            <a:off x="4728884" y="5283200"/>
             <a:ext cx="1587500" cy="279400"/>
           </a:xfrm>
           <a:prstGeom prst="rect">
@@ -5179,15 +4837,39 @@
           </a:p>
         </p:txBody>
       </p:sp>
-      <p:sp>
-        <p:nvSpPr>
-          <p:cNvPr id="17" name="Прямоугольник 16"/>
+      <p:pic>
+        <p:nvPicPr>
+          <p:cNvPr id="7" name="Рисунок 6"/>
+          <p:cNvPicPr>
+            <a:picLocks noChangeAspect="1"/>
+          </p:cNvPicPr>
+          <p:nvPr/>
+        </p:nvPicPr>
+        <p:blipFill>
+          <a:blip r:embed="rId3"/>
+          <a:stretch>
+            <a:fillRect/>
+          </a:stretch>
+        </p:blipFill>
+        <p:spPr>
+          <a:xfrm>
+            <a:off x="4377769" y="5651500"/>
+            <a:ext cx="2556431" cy="284820"/>
+          </a:xfrm>
+          <a:prstGeom prst="rect">
+            <a:avLst/>
+          </a:prstGeom>
+        </p:spPr>
+      </p:pic>
+      <p:sp>
+        <p:nvSpPr>
+          <p:cNvPr id="8" name="Прямоугольник 7"/>
           <p:cNvSpPr/>
           <p:nvPr/>
         </p:nvSpPr>
         <p:spPr>
           <a:xfrm>
-            <a:off x="480480" y="2670691"/>
+            <a:off x="514030" y="3640667"/>
             <a:ext cx="1370441" cy="579710"/>
           </a:xfrm>
           <a:prstGeom prst="rect">
@@ -5215,15 +4897,7 @@
             <a:pPr algn="ctr"/>
             <a:r>
               <a:rPr lang="ru-RU" sz="1200" dirty="0" smtClean="0"/>
-              <a:t>Записалась 1 </a:t>
-            </a:r>
-            <a:r>
-              <a:rPr lang="ru-RU" sz="1200" dirty="0"/>
-              <a:t>4</a:t>
-            </a:r>
-            <a:r>
-              <a:rPr lang="ru-RU" sz="1200" dirty="0" smtClean="0"/>
-              <a:t>-его разряда кода в первый регистр </a:t>
+              <a:t>Установим ключ в положение 0</a:t>
             </a:r>
             <a:endParaRPr lang="ru-RU" sz="1200" dirty="0"/>
           </a:p>
@@ -5231,14 +4905,14 @@
       </p:sp>
       <p:cxnSp>
         <p:nvCxnSpPr>
-          <p:cNvPr id="18" name="Прямая со стрелкой 17"/>
+          <p:cNvPr id="9" name="Прямая со стрелкой 8"/>
           <p:cNvCxnSpPr/>
           <p:nvPr/>
         </p:nvCxnSpPr>
         <p:spPr>
-          <a:xfrm>
-            <a:off x="1850921" y="2895530"/>
-            <a:ext cx="1866877" cy="75952"/>
+          <a:xfrm flipV="1">
+            <a:off x="1884471" y="2400300"/>
+            <a:ext cx="1951537" cy="71415"/>
           </a:xfrm>
           <a:prstGeom prst="straightConnector1">
             <a:avLst/>
@@ -5265,15 +4939,51 @@
           </a:fontRef>
         </p:style>
       </p:cxnSp>
-      <p:sp>
-        <p:nvSpPr>
-          <p:cNvPr id="20" name="Прямоугольник 19"/>
+      <p:cxnSp>
+        <p:nvCxnSpPr>
+          <p:cNvPr id="10" name="Прямая со стрелкой 9"/>
+          <p:cNvCxnSpPr/>
+          <p:nvPr/>
+        </p:nvCxnSpPr>
+        <p:spPr>
+          <a:xfrm flipH="1" flipV="1">
+            <a:off x="1532467" y="3149748"/>
+            <a:ext cx="76200" cy="475381"/>
+          </a:xfrm>
+          <a:prstGeom prst="straightConnector1">
+            <a:avLst/>
+          </a:prstGeom>
+          <a:ln w="38100">
+            <a:solidFill>
+              <a:srgbClr val="FF0000"/>
+            </a:solidFill>
+            <a:tailEnd type="triangle"/>
+          </a:ln>
+        </p:spPr>
+        <p:style>
+          <a:lnRef idx="1">
+            <a:schemeClr val="accent1"/>
+          </a:lnRef>
+          <a:fillRef idx="0">
+            <a:schemeClr val="accent1"/>
+          </a:fillRef>
+          <a:effectRef idx="0">
+            <a:schemeClr val="accent1"/>
+          </a:effectRef>
+          <a:fontRef idx="minor">
+            <a:schemeClr val="tx1"/>
+          </a:fontRef>
+        </p:style>
+      </p:cxnSp>
+      <p:sp>
+        <p:nvSpPr>
+          <p:cNvPr id="15" name="Прямоугольник 14"/>
           <p:cNvSpPr/>
           <p:nvPr/>
         </p:nvSpPr>
         <p:spPr>
           <a:xfrm>
-            <a:off x="6135230" y="3250401"/>
+            <a:off x="666430" y="2334260"/>
             <a:ext cx="1370441" cy="579710"/>
           </a:xfrm>
           <a:prstGeom prst="rect">
@@ -5301,7 +5011,49 @@
             <a:pPr algn="ctr"/>
             <a:r>
               <a:rPr lang="ru-RU" sz="1200" dirty="0" smtClean="0"/>
-              <a:t>Произошел сдвиг 1-ого разряда во 4-ой триггер</a:t>
+              <a:t>Записался 0 3-его разряда кода в первый регистр </a:t>
+            </a:r>
+            <a:endParaRPr lang="ru-RU" sz="1200" dirty="0"/>
+          </a:p>
+        </p:txBody>
+      </p:sp>
+      <p:sp>
+        <p:nvSpPr>
+          <p:cNvPr id="20" name="Прямоугольник 19"/>
+          <p:cNvSpPr/>
+          <p:nvPr/>
+        </p:nvSpPr>
+        <p:spPr>
+          <a:xfrm>
+            <a:off x="4152193" y="2454230"/>
+            <a:ext cx="1370441" cy="579710"/>
+          </a:xfrm>
+          <a:prstGeom prst="rect">
+            <a:avLst/>
+          </a:prstGeom>
+        </p:spPr>
+        <p:style>
+          <a:lnRef idx="2">
+            <a:schemeClr val="accent6"/>
+          </a:lnRef>
+          <a:fillRef idx="1">
+            <a:schemeClr val="lt1"/>
+          </a:fillRef>
+          <a:effectRef idx="0">
+            <a:schemeClr val="accent6"/>
+          </a:effectRef>
+          <a:fontRef idx="minor">
+            <a:schemeClr val="dk1"/>
+          </a:fontRef>
+        </p:style>
+        <p:txBody>
+          <a:bodyPr rtlCol="0" anchor="ctr"/>
+          <a:lstStyle/>
+          <a:p>
+            <a:pPr algn="ctr"/>
+            <a:r>
+              <a:rPr lang="ru-RU" sz="1200" dirty="0" smtClean="0"/>
+              <a:t>Произошел сдвиг 2-ого разряда во 2-ой триггер</a:t>
             </a:r>
             <a:endParaRPr lang="ru-RU" sz="1200" dirty="0"/>
           </a:p>
@@ -5315,8 +5067,86 @@
         </p:nvCxnSpPr>
         <p:spPr>
           <a:xfrm flipV="1">
-            <a:off x="6513633" y="2971001"/>
-            <a:ext cx="992038" cy="169349"/>
+            <a:off x="4152193" y="2221766"/>
+            <a:ext cx="1122540" cy="48999"/>
+          </a:xfrm>
+          <a:prstGeom prst="straightConnector1">
+            <a:avLst/>
+          </a:prstGeom>
+          <a:ln w="38100">
+            <a:solidFill>
+              <a:srgbClr val="FF0000"/>
+            </a:solidFill>
+            <a:tailEnd type="triangle"/>
+          </a:ln>
+        </p:spPr>
+        <p:style>
+          <a:lnRef idx="1">
+            <a:schemeClr val="accent1"/>
+          </a:lnRef>
+          <a:fillRef idx="0">
+            <a:schemeClr val="accent1"/>
+          </a:fillRef>
+          <a:effectRef idx="0">
+            <a:schemeClr val="accent1"/>
+          </a:effectRef>
+          <a:fontRef idx="minor">
+            <a:schemeClr val="tx1"/>
+          </a:fontRef>
+        </p:style>
+      </p:cxnSp>
+      <p:sp>
+        <p:nvSpPr>
+          <p:cNvPr id="24" name="Прямоугольник 23"/>
+          <p:cNvSpPr/>
+          <p:nvPr/>
+        </p:nvSpPr>
+        <p:spPr>
+          <a:xfrm>
+            <a:off x="5631163" y="2471715"/>
+            <a:ext cx="1370441" cy="579710"/>
+          </a:xfrm>
+          <a:prstGeom prst="rect">
+            <a:avLst/>
+          </a:prstGeom>
+        </p:spPr>
+        <p:style>
+          <a:lnRef idx="2">
+            <a:schemeClr val="accent6"/>
+          </a:lnRef>
+          <a:fillRef idx="1">
+            <a:schemeClr val="lt1"/>
+          </a:fillRef>
+          <a:effectRef idx="0">
+            <a:schemeClr val="accent6"/>
+          </a:effectRef>
+          <a:fontRef idx="minor">
+            <a:schemeClr val="dk1"/>
+          </a:fontRef>
+        </p:style>
+        <p:txBody>
+          <a:bodyPr rtlCol="0" anchor="ctr"/>
+          <a:lstStyle/>
+          <a:p>
+            <a:pPr algn="ctr"/>
+            <a:r>
+              <a:rPr lang="ru-RU" sz="1200" dirty="0" smtClean="0"/>
+              <a:t>Произошел сдвиг 1-ого разряда во 3-ой триггер</a:t>
+            </a:r>
+            <a:endParaRPr lang="ru-RU" sz="1200" dirty="0"/>
+          </a:p>
+        </p:txBody>
+      </p:sp>
+      <p:cxnSp>
+        <p:nvCxnSpPr>
+          <p:cNvPr id="25" name="Прямая со стрелкой 24"/>
+          <p:cNvCxnSpPr/>
+          <p:nvPr/>
+        </p:nvCxnSpPr>
+        <p:spPr>
+          <a:xfrm flipV="1">
+            <a:off x="5507432" y="2207614"/>
+            <a:ext cx="1122540" cy="48999"/>
           </a:xfrm>
           <a:prstGeom prst="straightConnector1">
             <a:avLst/>
@@ -5346,7 +5176,7 @@
     </p:spTree>
     <p:extLst>
       <p:ext uri="{BB962C8B-B14F-4D97-AF65-F5344CB8AC3E}">
-        <p14:creationId xmlns:p14="http://schemas.microsoft.com/office/powerpoint/2010/main" val="500743468"/>
+        <p14:creationId xmlns:p14="http://schemas.microsoft.com/office/powerpoint/2010/main" val="31399423"/>
       </p:ext>
     </p:extLst>
   </p:cSld>
@@ -5404,16 +5234,82 @@
           </a:prstGeom>
         </p:spPr>
       </p:pic>
+      <p:sp>
+        <p:nvSpPr>
+          <p:cNvPr id="5" name="Прямоугольник 4"/>
+          <p:cNvSpPr/>
+          <p:nvPr/>
+        </p:nvSpPr>
+        <p:spPr>
+          <a:xfrm>
+            <a:off x="3777515" y="5241355"/>
+            <a:ext cx="3127931" cy="295780"/>
+          </a:xfrm>
+          <a:prstGeom prst="rect">
+            <a:avLst/>
+          </a:prstGeom>
+        </p:spPr>
+        <p:style>
+          <a:lnRef idx="2">
+            <a:schemeClr val="accent6"/>
+          </a:lnRef>
+          <a:fillRef idx="1">
+            <a:schemeClr val="lt1"/>
+          </a:fillRef>
+          <a:effectRef idx="0">
+            <a:schemeClr val="accent6"/>
+          </a:effectRef>
+          <a:fontRef idx="minor">
+            <a:schemeClr val="dk1"/>
+          </a:fontRef>
+        </p:style>
+        <p:txBody>
+          <a:bodyPr rtlCol="0" anchor="ctr"/>
+          <a:lstStyle/>
+          <a:p>
+            <a:pPr algn="ctr"/>
+            <a:r>
+              <a:rPr lang="ru-RU" sz="1200" dirty="0" smtClean="0"/>
+              <a:t>Продолжим подавать код 1001</a:t>
+            </a:r>
+            <a:endParaRPr lang="ru-RU" sz="1200" dirty="0"/>
+          </a:p>
+        </p:txBody>
+      </p:sp>
+      <p:pic>
+        <p:nvPicPr>
+          <p:cNvPr id="6" name="Рисунок 5"/>
+          <p:cNvPicPr>
+            <a:picLocks noChangeAspect="1"/>
+          </p:cNvPicPr>
+          <p:nvPr/>
+        </p:nvPicPr>
+        <p:blipFill>
+          <a:blip r:embed="rId3"/>
+          <a:stretch>
+            <a:fillRect/>
+          </a:stretch>
+        </p:blipFill>
+        <p:spPr>
+          <a:xfrm>
+            <a:off x="4046059" y="5883771"/>
+            <a:ext cx="2354741" cy="372178"/>
+          </a:xfrm>
+          <a:prstGeom prst="rect">
+            <a:avLst/>
+          </a:prstGeom>
+        </p:spPr>
+      </p:pic>
       <p:cxnSp>
         <p:nvCxnSpPr>
-          <p:cNvPr id="21" name="Прямая со стрелкой 20"/>
+          <p:cNvPr id="8" name="Прямая со стрелкой 7"/>
           <p:cNvCxnSpPr/>
           <p:nvPr/>
         </p:nvCxnSpPr>
         <p:spPr>
-          <a:xfrm flipV="1">
-            <a:off x="7116792" y="3433159"/>
-            <a:ext cx="2718011" cy="2243676"/>
+          <a:xfrm flipH="1" flipV="1">
+            <a:off x="1457865" y="4528868"/>
+            <a:ext cx="17252" cy="465827"/>
           </a:xfrm>
           <a:prstGeom prst="straightConnector1">
             <a:avLst/>
@@ -5442,31 +5338,7 @@
       </p:cxnSp>
       <p:pic>
         <p:nvPicPr>
-          <p:cNvPr id="3" name="Рисунок 2"/>
-          <p:cNvPicPr>
-            <a:picLocks noChangeAspect="1"/>
-          </p:cNvPicPr>
-          <p:nvPr/>
-        </p:nvPicPr>
-        <p:blipFill>
-          <a:blip r:embed="rId3"/>
-          <a:stretch>
-            <a:fillRect/>
-          </a:stretch>
-        </p:blipFill>
-        <p:spPr>
-          <a:xfrm>
-            <a:off x="2980388" y="5454505"/>
-            <a:ext cx="4972050" cy="419100"/>
-          </a:xfrm>
-          <a:prstGeom prst="rect">
-            <a:avLst/>
-          </a:prstGeom>
-        </p:spPr>
-      </p:pic>
-      <p:pic>
-        <p:nvPicPr>
-          <p:cNvPr id="7" name="Рисунок 6"/>
+          <p:cNvPr id="11" name="Рисунок 10"/>
           <p:cNvPicPr>
             <a:picLocks noChangeAspect="1"/>
           </p:cNvPicPr>
@@ -5480,79 +5352,260 @@
         </p:blipFill>
         <p:spPr>
           <a:xfrm>
-            <a:off x="4160837" y="3129493"/>
-            <a:ext cx="2760663" cy="607332"/>
+            <a:off x="263196" y="4388363"/>
+            <a:ext cx="1805010" cy="667255"/>
           </a:xfrm>
           <a:prstGeom prst="rect">
             <a:avLst/>
           </a:prstGeom>
         </p:spPr>
       </p:pic>
-      <p:pic>
-        <p:nvPicPr>
-          <p:cNvPr id="9" name="Рисунок 8"/>
-          <p:cNvPicPr>
-            <a:picLocks noChangeAspect="1"/>
-          </p:cNvPicPr>
-          <p:nvPr/>
-        </p:nvPicPr>
-        <p:blipFill>
-          <a:blip r:embed="rId5"/>
-          <a:stretch>
-            <a:fillRect/>
-          </a:stretch>
-        </p:blipFill>
-        <p:spPr>
-          <a:xfrm>
-            <a:off x="5643563" y="3547458"/>
-            <a:ext cx="729684" cy="110141"/>
-          </a:xfrm>
-          <a:prstGeom prst="rect">
-            <a:avLst/>
-          </a:prstGeom>
-        </p:spPr>
-      </p:pic>
-      <p:sp>
-        <p:nvSpPr>
-          <p:cNvPr id="10" name="Прямоугольник 9"/>
+      <p:cxnSp>
+        <p:nvCxnSpPr>
+          <p:cNvPr id="12" name="Прямая со стрелкой 11"/>
+          <p:cNvCxnSpPr/>
+          <p:nvPr/>
+        </p:nvCxnSpPr>
+        <p:spPr>
+          <a:xfrm flipV="1">
+            <a:off x="1551317" y="4092583"/>
+            <a:ext cx="96328" cy="436286"/>
+          </a:xfrm>
+          <a:prstGeom prst="straightConnector1">
+            <a:avLst/>
+          </a:prstGeom>
+          <a:ln w="38100">
+            <a:solidFill>
+              <a:srgbClr val="FF0000"/>
+            </a:solidFill>
+            <a:tailEnd type="triangle"/>
+          </a:ln>
+        </p:spPr>
+        <p:style>
+          <a:lnRef idx="1">
+            <a:schemeClr val="accent1"/>
+          </a:lnRef>
+          <a:fillRef idx="0">
+            <a:schemeClr val="accent1"/>
+          </a:fillRef>
+          <a:effectRef idx="0">
+            <a:schemeClr val="accent1"/>
+          </a:effectRef>
+          <a:fontRef idx="minor">
+            <a:schemeClr val="tx1"/>
+          </a:fontRef>
+        </p:style>
+      </p:cxnSp>
+      <p:sp>
+        <p:nvSpPr>
+          <p:cNvPr id="14" name="Прямоугольник 13"/>
           <p:cNvSpPr/>
           <p:nvPr/>
         </p:nvSpPr>
         <p:spPr>
           <a:xfrm>
-            <a:off x="5629067" y="3448639"/>
-            <a:ext cx="744180" cy="307777"/>
-          </a:xfrm>
-          <a:prstGeom prst="rect">
-            <a:avLst/>
-          </a:prstGeom>
-        </p:spPr>
-        <p:txBody>
-          <a:bodyPr wrap="square">
-            <a:spAutoFit/>
-          </a:bodyPr>
-          <a:lstStyle/>
-          <a:p>
-            <a:r>
-              <a:rPr lang="ru-RU" sz="1400" dirty="0" smtClean="0">
-                <a:solidFill>
-                  <a:srgbClr val="FF0000"/>
-                </a:solidFill>
-              </a:rPr>
-              <a:t>1001</a:t>
-            </a:r>
-            <a:endParaRPr lang="ru-RU" sz="1400" dirty="0">
-              <a:solidFill>
-                <a:srgbClr val="FF0000"/>
-              </a:solidFill>
-            </a:endParaRPr>
-          </a:p>
-        </p:txBody>
-      </p:sp>
+            <a:off x="4547730" y="5537135"/>
+            <a:ext cx="1587500" cy="279400"/>
+          </a:xfrm>
+          <a:prstGeom prst="rect">
+            <a:avLst/>
+          </a:prstGeom>
+        </p:spPr>
+        <p:style>
+          <a:lnRef idx="2">
+            <a:schemeClr val="accent6"/>
+          </a:lnRef>
+          <a:fillRef idx="1">
+            <a:schemeClr val="lt1"/>
+          </a:fillRef>
+          <a:effectRef idx="0">
+            <a:schemeClr val="accent6"/>
+          </a:effectRef>
+          <a:fontRef idx="minor">
+            <a:schemeClr val="dk1"/>
+          </a:fontRef>
+        </p:style>
+        <p:txBody>
+          <a:bodyPr rtlCol="0" anchor="ctr"/>
+          <a:lstStyle/>
+          <a:p>
+            <a:pPr algn="ctr"/>
+            <a:r>
+              <a:rPr lang="ru-RU" sz="1200" dirty="0" smtClean="0"/>
+              <a:t>Переведем ключи</a:t>
+            </a:r>
+            <a:endParaRPr lang="ru-RU" sz="1200" dirty="0"/>
+          </a:p>
+        </p:txBody>
+      </p:sp>
+      <p:sp>
+        <p:nvSpPr>
+          <p:cNvPr id="17" name="Прямоугольник 16"/>
+          <p:cNvSpPr/>
+          <p:nvPr/>
+        </p:nvSpPr>
+        <p:spPr>
+          <a:xfrm>
+            <a:off x="480480" y="2670691"/>
+            <a:ext cx="1370441" cy="579710"/>
+          </a:xfrm>
+          <a:prstGeom prst="rect">
+            <a:avLst/>
+          </a:prstGeom>
+        </p:spPr>
+        <p:style>
+          <a:lnRef idx="2">
+            <a:schemeClr val="accent6"/>
+          </a:lnRef>
+          <a:fillRef idx="1">
+            <a:schemeClr val="lt1"/>
+          </a:fillRef>
+          <a:effectRef idx="0">
+            <a:schemeClr val="accent6"/>
+          </a:effectRef>
+          <a:fontRef idx="minor">
+            <a:schemeClr val="dk1"/>
+          </a:fontRef>
+        </p:style>
+        <p:txBody>
+          <a:bodyPr rtlCol="0" anchor="ctr"/>
+          <a:lstStyle/>
+          <a:p>
+            <a:pPr algn="ctr"/>
+            <a:r>
+              <a:rPr lang="ru-RU" sz="1200" dirty="0" smtClean="0"/>
+              <a:t>Записалась 1 </a:t>
+            </a:r>
+            <a:r>
+              <a:rPr lang="ru-RU" sz="1200" dirty="0"/>
+              <a:t>4</a:t>
+            </a:r>
+            <a:r>
+              <a:rPr lang="ru-RU" sz="1200" dirty="0" smtClean="0"/>
+              <a:t>-его разряда кода в первый регистр </a:t>
+            </a:r>
+            <a:endParaRPr lang="ru-RU" sz="1200" dirty="0"/>
+          </a:p>
+        </p:txBody>
+      </p:sp>
+      <p:cxnSp>
+        <p:nvCxnSpPr>
+          <p:cNvPr id="18" name="Прямая со стрелкой 17"/>
+          <p:cNvCxnSpPr/>
+          <p:nvPr/>
+        </p:nvCxnSpPr>
+        <p:spPr>
+          <a:xfrm>
+            <a:off x="1850921" y="2895530"/>
+            <a:ext cx="1866877" cy="75952"/>
+          </a:xfrm>
+          <a:prstGeom prst="straightConnector1">
+            <a:avLst/>
+          </a:prstGeom>
+          <a:ln w="38100">
+            <a:solidFill>
+              <a:srgbClr val="FF0000"/>
+            </a:solidFill>
+            <a:tailEnd type="triangle"/>
+          </a:ln>
+        </p:spPr>
+        <p:style>
+          <a:lnRef idx="1">
+            <a:schemeClr val="accent1"/>
+          </a:lnRef>
+          <a:fillRef idx="0">
+            <a:schemeClr val="accent1"/>
+          </a:fillRef>
+          <a:effectRef idx="0">
+            <a:schemeClr val="accent1"/>
+          </a:effectRef>
+          <a:fontRef idx="minor">
+            <a:schemeClr val="tx1"/>
+          </a:fontRef>
+        </p:style>
+      </p:cxnSp>
+      <p:sp>
+        <p:nvSpPr>
+          <p:cNvPr id="20" name="Прямоугольник 19"/>
+          <p:cNvSpPr/>
+          <p:nvPr/>
+        </p:nvSpPr>
+        <p:spPr>
+          <a:xfrm>
+            <a:off x="6135230" y="3250401"/>
+            <a:ext cx="1370441" cy="579710"/>
+          </a:xfrm>
+          <a:prstGeom prst="rect">
+            <a:avLst/>
+          </a:prstGeom>
+        </p:spPr>
+        <p:style>
+          <a:lnRef idx="2">
+            <a:schemeClr val="accent6"/>
+          </a:lnRef>
+          <a:fillRef idx="1">
+            <a:schemeClr val="lt1"/>
+          </a:fillRef>
+          <a:effectRef idx="0">
+            <a:schemeClr val="accent6"/>
+          </a:effectRef>
+          <a:fontRef idx="minor">
+            <a:schemeClr val="dk1"/>
+          </a:fontRef>
+        </p:style>
+        <p:txBody>
+          <a:bodyPr rtlCol="0" anchor="ctr"/>
+          <a:lstStyle/>
+          <a:p>
+            <a:pPr algn="ctr"/>
+            <a:r>
+              <a:rPr lang="ru-RU" sz="1200" dirty="0" smtClean="0"/>
+              <a:t>Произошел сдвиг 1-ого разряда во 4-ой триггер</a:t>
+            </a:r>
+            <a:endParaRPr lang="ru-RU" sz="1200" dirty="0"/>
+          </a:p>
+        </p:txBody>
+      </p:sp>
+      <p:cxnSp>
+        <p:nvCxnSpPr>
+          <p:cNvPr id="21" name="Прямая со стрелкой 20"/>
+          <p:cNvCxnSpPr/>
+          <p:nvPr/>
+        </p:nvCxnSpPr>
+        <p:spPr>
+          <a:xfrm flipV="1">
+            <a:off x="6513633" y="2971001"/>
+            <a:ext cx="992038" cy="169349"/>
+          </a:xfrm>
+          <a:prstGeom prst="straightConnector1">
+            <a:avLst/>
+          </a:prstGeom>
+          <a:ln w="38100">
+            <a:solidFill>
+              <a:srgbClr val="FF0000"/>
+            </a:solidFill>
+            <a:tailEnd type="triangle"/>
+          </a:ln>
+        </p:spPr>
+        <p:style>
+          <a:lnRef idx="1">
+            <a:schemeClr val="accent1"/>
+          </a:lnRef>
+          <a:fillRef idx="0">
+            <a:schemeClr val="accent1"/>
+          </a:fillRef>
+          <a:effectRef idx="0">
+            <a:schemeClr val="accent1"/>
+          </a:effectRef>
+          <a:fontRef idx="minor">
+            <a:schemeClr val="tx1"/>
+          </a:fontRef>
+        </p:style>
+      </p:cxnSp>
     </p:spTree>
     <p:extLst>
       <p:ext uri="{BB962C8B-B14F-4D97-AF65-F5344CB8AC3E}">
-        <p14:creationId xmlns:p14="http://schemas.microsoft.com/office/powerpoint/2010/main" val="3356933795"/>
+        <p14:creationId xmlns:p14="http://schemas.microsoft.com/office/powerpoint/2010/main" val="500743468"/>
       </p:ext>
     </p:extLst>
   </p:cSld>
@@ -5602,6 +5655,212 @@
         </p:blipFill>
         <p:spPr>
           <a:xfrm>
+            <a:off x="855188" y="1686943"/>
+            <a:ext cx="9938703" cy="3554412"/>
+          </a:xfrm>
+          <a:prstGeom prst="rect">
+            <a:avLst/>
+          </a:prstGeom>
+        </p:spPr>
+      </p:pic>
+      <p:cxnSp>
+        <p:nvCxnSpPr>
+          <p:cNvPr id="21" name="Прямая со стрелкой 20"/>
+          <p:cNvCxnSpPr/>
+          <p:nvPr/>
+        </p:nvCxnSpPr>
+        <p:spPr>
+          <a:xfrm flipV="1">
+            <a:off x="7116792" y="3433159"/>
+            <a:ext cx="2718011" cy="2243676"/>
+          </a:xfrm>
+          <a:prstGeom prst="straightConnector1">
+            <a:avLst/>
+          </a:prstGeom>
+          <a:ln w="38100">
+            <a:solidFill>
+              <a:srgbClr val="FF0000"/>
+            </a:solidFill>
+            <a:tailEnd type="triangle"/>
+          </a:ln>
+        </p:spPr>
+        <p:style>
+          <a:lnRef idx="1">
+            <a:schemeClr val="accent1"/>
+          </a:lnRef>
+          <a:fillRef idx="0">
+            <a:schemeClr val="accent1"/>
+          </a:fillRef>
+          <a:effectRef idx="0">
+            <a:schemeClr val="accent1"/>
+          </a:effectRef>
+          <a:fontRef idx="minor">
+            <a:schemeClr val="tx1"/>
+          </a:fontRef>
+        </p:style>
+      </p:cxnSp>
+      <p:pic>
+        <p:nvPicPr>
+          <p:cNvPr id="3" name="Рисунок 2"/>
+          <p:cNvPicPr>
+            <a:picLocks noChangeAspect="1"/>
+          </p:cNvPicPr>
+          <p:nvPr/>
+        </p:nvPicPr>
+        <p:blipFill>
+          <a:blip r:embed="rId3"/>
+          <a:stretch>
+            <a:fillRect/>
+          </a:stretch>
+        </p:blipFill>
+        <p:spPr>
+          <a:xfrm>
+            <a:off x="2980388" y="5454505"/>
+            <a:ext cx="4972050" cy="419100"/>
+          </a:xfrm>
+          <a:prstGeom prst="rect">
+            <a:avLst/>
+          </a:prstGeom>
+        </p:spPr>
+      </p:pic>
+      <p:pic>
+        <p:nvPicPr>
+          <p:cNvPr id="7" name="Рисунок 6"/>
+          <p:cNvPicPr>
+            <a:picLocks noChangeAspect="1"/>
+          </p:cNvPicPr>
+          <p:nvPr/>
+        </p:nvPicPr>
+        <p:blipFill>
+          <a:blip r:embed="rId4"/>
+          <a:stretch>
+            <a:fillRect/>
+          </a:stretch>
+        </p:blipFill>
+        <p:spPr>
+          <a:xfrm>
+            <a:off x="4160837" y="3129493"/>
+            <a:ext cx="2760663" cy="607332"/>
+          </a:xfrm>
+          <a:prstGeom prst="rect">
+            <a:avLst/>
+          </a:prstGeom>
+        </p:spPr>
+      </p:pic>
+      <p:pic>
+        <p:nvPicPr>
+          <p:cNvPr id="9" name="Рисунок 8"/>
+          <p:cNvPicPr>
+            <a:picLocks noChangeAspect="1"/>
+          </p:cNvPicPr>
+          <p:nvPr/>
+        </p:nvPicPr>
+        <p:blipFill>
+          <a:blip r:embed="rId5"/>
+          <a:stretch>
+            <a:fillRect/>
+          </a:stretch>
+        </p:blipFill>
+        <p:spPr>
+          <a:xfrm>
+            <a:off x="5643563" y="3547458"/>
+            <a:ext cx="729684" cy="110141"/>
+          </a:xfrm>
+          <a:prstGeom prst="rect">
+            <a:avLst/>
+          </a:prstGeom>
+        </p:spPr>
+      </p:pic>
+      <p:sp>
+        <p:nvSpPr>
+          <p:cNvPr id="10" name="Прямоугольник 9"/>
+          <p:cNvSpPr/>
+          <p:nvPr/>
+        </p:nvSpPr>
+        <p:spPr>
+          <a:xfrm>
+            <a:off x="5629067" y="3448639"/>
+            <a:ext cx="744180" cy="307777"/>
+          </a:xfrm>
+          <a:prstGeom prst="rect">
+            <a:avLst/>
+          </a:prstGeom>
+        </p:spPr>
+        <p:txBody>
+          <a:bodyPr wrap="square">
+            <a:spAutoFit/>
+          </a:bodyPr>
+          <a:lstStyle/>
+          <a:p>
+            <a:r>
+              <a:rPr lang="ru-RU" sz="1400" dirty="0" smtClean="0">
+                <a:solidFill>
+                  <a:srgbClr val="FF0000"/>
+                </a:solidFill>
+              </a:rPr>
+              <a:t>1001</a:t>
+            </a:r>
+            <a:endParaRPr lang="ru-RU" sz="1400" dirty="0">
+              <a:solidFill>
+                <a:srgbClr val="FF0000"/>
+              </a:solidFill>
+            </a:endParaRPr>
+          </a:p>
+        </p:txBody>
+      </p:sp>
+    </p:spTree>
+    <p:extLst>
+      <p:ext uri="{BB962C8B-B14F-4D97-AF65-F5344CB8AC3E}">
+        <p14:creationId xmlns:p14="http://schemas.microsoft.com/office/powerpoint/2010/main" val="3356933795"/>
+      </p:ext>
+    </p:extLst>
+  </p:cSld>
+  <p:clrMapOvr>
+    <a:masterClrMapping/>
+  </p:clrMapOvr>
+  <p:timing>
+    <p:tnLst>
+      <p:par>
+        <p:cTn id="1" dur="indefinite" restart="never" nodeType="tmRoot"/>
+      </p:par>
+    </p:tnLst>
+  </p:timing>
+</p:sld>
+</file>
+
+<file path=ppt/slides/slide16.xml><?xml version="1.0" encoding="utf-8"?>
+<p:sld xmlns:a="http://schemas.openxmlformats.org/drawingml/2006/main" xmlns:r="http://schemas.openxmlformats.org/officeDocument/2006/relationships" xmlns:p="http://schemas.openxmlformats.org/presentationml/2006/main">
+  <p:cSld>
+    <p:spTree>
+      <p:nvGrpSpPr>
+        <p:cNvPr id="1" name=""/>
+        <p:cNvGrpSpPr/>
+        <p:nvPr/>
+      </p:nvGrpSpPr>
+      <p:grpSpPr>
+        <a:xfrm>
+          <a:off x="0" y="0"/>
+          <a:ext cx="0" cy="0"/>
+          <a:chOff x="0" y="0"/>
+          <a:chExt cx="0" cy="0"/>
+        </a:xfrm>
+      </p:grpSpPr>
+      <p:pic>
+        <p:nvPicPr>
+          <p:cNvPr id="4" name="Рисунок 3"/>
+          <p:cNvPicPr>
+            <a:picLocks noChangeAspect="1"/>
+          </p:cNvPicPr>
+          <p:nvPr/>
+        </p:nvPicPr>
+        <p:blipFill>
+          <a:blip r:embed="rId2"/>
+          <a:stretch>
+            <a:fillRect/>
+          </a:stretch>
+        </p:blipFill>
+        <p:spPr>
+          <a:xfrm>
             <a:off x="375165" y="1284052"/>
             <a:ext cx="11186512" cy="4357991"/>
           </a:xfrm>
@@ -5734,7 +5993,7 @@
 </p:sld>
 </file>
 
-<file path=ppt/slides/slide16.xml><?xml version="1.0" encoding="utf-8"?>
+<file path=ppt/slides/slide17.xml><?xml version="1.0" encoding="utf-8"?>
 <p:sld xmlns:a="http://schemas.openxmlformats.org/drawingml/2006/main" xmlns:r="http://schemas.openxmlformats.org/officeDocument/2006/relationships" xmlns:p="http://schemas.openxmlformats.org/presentationml/2006/main">
   <p:cSld>
     <p:spTree>
@@ -7202,15 +7461,7 @@
             <a:pPr algn="ctr"/>
             <a:r>
               <a:rPr lang="ru-RU" dirty="0" smtClean="0"/>
-              <a:t>Получили модель </a:t>
-            </a:r>
-            <a:r>
-              <a:rPr lang="ru-RU" dirty="0" smtClean="0"/>
-              <a:t>регистра сдвига </a:t>
-            </a:r>
-            <a:r>
-              <a:rPr lang="ru-RU" dirty="0" smtClean="0"/>
-              <a:t>на </a:t>
+              <a:t>Получили модель регистра сдвига на </a:t>
             </a:r>
             <a:r>
               <a:rPr lang="en-US" dirty="0" smtClean="0"/>
@@ -7331,7 +7582,7 @@
       </p:grpSpPr>
       <p:pic>
         <p:nvPicPr>
-          <p:cNvPr id="2" name="Рисунок 1"/>
+          <p:cNvPr id="4" name="Рисунок 3"/>
           <p:cNvPicPr>
             <a:picLocks noChangeAspect="1"/>
           </p:cNvPicPr>
@@ -7345,263 +7596,24 @@
         </p:blipFill>
         <p:spPr>
           <a:xfrm>
-            <a:off x="465222" y="676422"/>
-            <a:ext cx="11245516" cy="4572939"/>
+            <a:off x="630391" y="416526"/>
+            <a:ext cx="10751389" cy="5726571"/>
           </a:xfrm>
           <a:prstGeom prst="rect">
             <a:avLst/>
           </a:prstGeom>
         </p:spPr>
       </p:pic>
-      <p:cxnSp>
-        <p:nvCxnSpPr>
-          <p:cNvPr id="3" name="Прямая со стрелкой 2"/>
-          <p:cNvCxnSpPr/>
-          <p:nvPr/>
-        </p:nvCxnSpPr>
-        <p:spPr>
-          <a:xfrm flipH="1" flipV="1">
-            <a:off x="5021179" y="962526"/>
-            <a:ext cx="1700463" cy="3946359"/>
-          </a:xfrm>
-          <a:prstGeom prst="straightConnector1">
-            <a:avLst/>
-          </a:prstGeom>
-          <a:ln w="38100">
-            <a:solidFill>
-              <a:srgbClr val="FF0000"/>
-            </a:solidFill>
-            <a:tailEnd type="triangle"/>
-          </a:ln>
-        </p:spPr>
-        <p:style>
-          <a:lnRef idx="1">
-            <a:schemeClr val="accent1"/>
-          </a:lnRef>
-          <a:fillRef idx="0">
-            <a:schemeClr val="accent1"/>
-          </a:fillRef>
-          <a:effectRef idx="0">
-            <a:schemeClr val="accent1"/>
-          </a:effectRef>
-          <a:fontRef idx="minor">
-            <a:schemeClr val="tx1"/>
-          </a:fontRef>
-        </p:style>
-      </p:cxnSp>
-      <p:cxnSp>
-        <p:nvCxnSpPr>
-          <p:cNvPr id="7" name="Прямая со стрелкой 6"/>
-          <p:cNvCxnSpPr/>
-          <p:nvPr/>
-        </p:nvCxnSpPr>
-        <p:spPr>
-          <a:xfrm flipH="1" flipV="1">
-            <a:off x="2237875" y="1900990"/>
-            <a:ext cx="1724525" cy="2863515"/>
-          </a:xfrm>
-          <a:prstGeom prst="straightConnector1">
-            <a:avLst/>
-          </a:prstGeom>
-          <a:ln w="38100">
-            <a:solidFill>
-              <a:srgbClr val="FF0000"/>
-            </a:solidFill>
-            <a:tailEnd type="triangle"/>
-          </a:ln>
-        </p:spPr>
-        <p:style>
-          <a:lnRef idx="1">
-            <a:schemeClr val="accent1"/>
-          </a:lnRef>
-          <a:fillRef idx="0">
-            <a:schemeClr val="accent1"/>
-          </a:fillRef>
-          <a:effectRef idx="0">
-            <a:schemeClr val="accent1"/>
-          </a:effectRef>
-          <a:fontRef idx="minor">
-            <a:schemeClr val="tx1"/>
-          </a:fontRef>
-        </p:style>
-      </p:cxnSp>
-      <p:cxnSp>
-        <p:nvCxnSpPr>
-          <p:cNvPr id="9" name="Прямая со стрелкой 8"/>
-          <p:cNvCxnSpPr/>
-          <p:nvPr/>
-        </p:nvCxnSpPr>
-        <p:spPr>
-          <a:xfrm flipH="1" flipV="1">
-            <a:off x="1652337" y="2962892"/>
-            <a:ext cx="2310063" cy="1801613"/>
-          </a:xfrm>
-          <a:prstGeom prst="straightConnector1">
-            <a:avLst/>
-          </a:prstGeom>
-          <a:ln w="38100">
-            <a:solidFill>
-              <a:srgbClr val="FF0000"/>
-            </a:solidFill>
-            <a:tailEnd type="triangle"/>
-          </a:ln>
-        </p:spPr>
-        <p:style>
-          <a:lnRef idx="1">
-            <a:schemeClr val="accent1"/>
-          </a:lnRef>
-          <a:fillRef idx="0">
-            <a:schemeClr val="accent1"/>
-          </a:fillRef>
-          <a:effectRef idx="0">
-            <a:schemeClr val="accent1"/>
-          </a:effectRef>
-          <a:fontRef idx="minor">
-            <a:schemeClr val="tx1"/>
-          </a:fontRef>
-        </p:style>
-      </p:cxnSp>
-      <p:cxnSp>
-        <p:nvCxnSpPr>
-          <p:cNvPr id="12" name="Прямая со стрелкой 11"/>
-          <p:cNvCxnSpPr/>
-          <p:nvPr/>
-        </p:nvCxnSpPr>
-        <p:spPr>
-          <a:xfrm flipH="1" flipV="1">
-            <a:off x="2117558" y="4523875"/>
-            <a:ext cx="1844842" cy="240630"/>
-          </a:xfrm>
-          <a:prstGeom prst="straightConnector1">
-            <a:avLst/>
-          </a:prstGeom>
-          <a:ln w="38100">
-            <a:solidFill>
-              <a:srgbClr val="FF0000"/>
-            </a:solidFill>
-            <a:tailEnd type="triangle"/>
-          </a:ln>
-        </p:spPr>
-        <p:style>
-          <a:lnRef idx="1">
-            <a:schemeClr val="accent1"/>
-          </a:lnRef>
-          <a:fillRef idx="0">
-            <a:schemeClr val="accent1"/>
-          </a:fillRef>
-          <a:effectRef idx="0">
-            <a:schemeClr val="accent1"/>
-          </a:effectRef>
-          <a:fontRef idx="minor">
-            <a:schemeClr val="tx1"/>
-          </a:fontRef>
-        </p:style>
-      </p:cxnSp>
-      <p:sp>
-        <p:nvSpPr>
-          <p:cNvPr id="16" name="Овал 15"/>
-          <p:cNvSpPr/>
-          <p:nvPr/>
-        </p:nvSpPr>
-        <p:spPr>
-          <a:xfrm>
-            <a:off x="4439669" y="651975"/>
-            <a:ext cx="918393" cy="310551"/>
-          </a:xfrm>
-          <a:prstGeom prst="ellipse">
-            <a:avLst/>
-          </a:prstGeom>
-          <a:noFill/>
-          <a:ln w="38100">
-            <a:solidFill>
-              <a:srgbClr val="FF0000"/>
-            </a:solidFill>
-          </a:ln>
-        </p:spPr>
-        <p:style>
-          <a:lnRef idx="0">
-            <a:scrgbClr r="0" g="0" b="0"/>
-          </a:lnRef>
-          <a:fillRef idx="0">
-            <a:scrgbClr r="0" g="0" b="0"/>
-          </a:fillRef>
-          <a:effectRef idx="0">
-            <a:scrgbClr r="0" g="0" b="0"/>
-          </a:effectRef>
-          <a:fontRef idx="minor">
-            <a:schemeClr val="accent2"/>
-          </a:fontRef>
-        </p:style>
-        <p:txBody>
-          <a:bodyPr rtlCol="0" anchor="ctr"/>
-          <a:lstStyle/>
-          <a:p>
-            <a:pPr algn="ctr"/>
-            <a:endParaRPr lang="ru-RU"/>
-          </a:p>
-        </p:txBody>
-      </p:sp>
-      <p:sp>
-        <p:nvSpPr>
-          <p:cNvPr id="17" name="Овал 16"/>
-          <p:cNvSpPr/>
-          <p:nvPr/>
-        </p:nvSpPr>
-        <p:spPr>
-          <a:xfrm>
-            <a:off x="9198624" y="1650001"/>
-            <a:ext cx="918393" cy="501977"/>
-          </a:xfrm>
-          <a:prstGeom prst="ellipse">
-            <a:avLst/>
-          </a:prstGeom>
-          <a:noFill/>
-          <a:ln w="38100">
-            <a:solidFill>
-              <a:srgbClr val="FF0000"/>
-            </a:solidFill>
-          </a:ln>
-        </p:spPr>
-        <p:style>
-          <a:lnRef idx="0">
-            <a:scrgbClr r="0" g="0" b="0"/>
-          </a:lnRef>
-          <a:fillRef idx="0">
-            <a:scrgbClr r="0" g="0" b="0"/>
-          </a:fillRef>
-          <a:effectRef idx="0">
-            <a:scrgbClr r="0" g="0" b="0"/>
-          </a:effectRef>
-          <a:fontRef idx="minor">
-            <a:schemeClr val="accent2"/>
-          </a:fontRef>
-        </p:style>
-        <p:txBody>
-          <a:bodyPr rtlCol="0" anchor="ctr"/>
-          <a:lstStyle/>
-          <a:p>
-            <a:pPr algn="ctr"/>
-            <a:endParaRPr lang="ru-RU"/>
-          </a:p>
-        </p:txBody>
-      </p:sp>
     </p:spTree>
     <p:extLst>
       <p:ext uri="{BB962C8B-B14F-4D97-AF65-F5344CB8AC3E}">
-        <p14:creationId xmlns:p14="http://schemas.microsoft.com/office/powerpoint/2010/main" val="991404593"/>
+        <p14:creationId xmlns:p14="http://schemas.microsoft.com/office/powerpoint/2010/main" val="3463513194"/>
       </p:ext>
     </p:extLst>
   </p:cSld>
   <p:clrMapOvr>
     <a:masterClrMapping/>
   </p:clrMapOvr>
-  <p:timing>
-    <p:tnLst>
-      <p:par>
-        <p:cTn id="1" dur="indefinite" restart="never" nodeType="tmRoot"/>
-      </p:par>
-    </p:tnLst>
-  </p:timing>
 </p:sld>
 </file>
 

--- a/рубеж 3/презы/регистрсдвига.pptx
+++ b/рубеж 3/презы/регистрсдвига.pptx
@@ -3961,7 +3961,7 @@
         </p:blipFill>
         <p:spPr>
           <a:xfrm>
-            <a:off x="740026" y="520700"/>
+            <a:off x="740026" y="503448"/>
             <a:ext cx="10466136" cy="4260850"/>
           </a:xfrm>
           <a:prstGeom prst="rect">
@@ -3993,54 +3993,6 @@
           </a:prstGeom>
         </p:spPr>
       </p:pic>
-      <p:sp>
-        <p:nvSpPr>
-          <p:cNvPr id="4" name="Прямоугольник 3"/>
-          <p:cNvSpPr/>
-          <p:nvPr/>
-        </p:nvSpPr>
-        <p:spPr>
-          <a:xfrm>
-            <a:off x="997493" y="4867427"/>
-            <a:ext cx="2279107" cy="580836"/>
-          </a:xfrm>
-          <a:prstGeom prst="rect">
-            <a:avLst/>
-          </a:prstGeom>
-        </p:spPr>
-        <p:style>
-          <a:lnRef idx="2">
-            <a:schemeClr val="accent6">
-              <a:shade val="50000"/>
-            </a:schemeClr>
-          </a:lnRef>
-          <a:fillRef idx="1">
-            <a:schemeClr val="accent6"/>
-          </a:fillRef>
-          <a:effectRef idx="0">
-            <a:schemeClr val="accent6"/>
-          </a:effectRef>
-          <a:fontRef idx="minor">
-            <a:schemeClr val="lt1"/>
-          </a:fontRef>
-        </p:style>
-        <p:txBody>
-          <a:bodyPr rtlCol="0" anchor="ctr"/>
-          <a:lstStyle/>
-          <a:p>
-            <a:pPr algn="ctr"/>
-            <a:r>
-              <a:rPr lang="en-US" dirty="0" smtClean="0"/>
-              <a:t>SW5=1 (</a:t>
-            </a:r>
-            <a:r>
-              <a:rPr lang="ru-RU" dirty="0" smtClean="0"/>
-              <a:t>Разрешение записи в регистр)</a:t>
-            </a:r>
-            <a:endParaRPr lang="ru-RU" dirty="0"/>
-          </a:p>
-        </p:txBody>
-      </p:sp>
       <p:sp>
         <p:nvSpPr>
           <p:cNvPr id="9" name="Овал 8"/>
@@ -4161,7 +4113,7 @@
         </p:blipFill>
         <p:spPr>
           <a:xfrm>
-            <a:off x="457200" y="3353336"/>
+            <a:off x="308558" y="3319094"/>
             <a:ext cx="1878950" cy="703350"/>
           </a:xfrm>
           <a:prstGeom prst="rect">
@@ -4201,7 +4153,7 @@
         </p:nvCxnSpPr>
         <p:spPr>
           <a:xfrm flipV="1">
-            <a:off x="1808334" y="3127910"/>
+            <a:off x="1801929" y="3127910"/>
             <a:ext cx="109417" cy="450851"/>
           </a:xfrm>
           <a:prstGeom prst="straightConnector1">
@@ -4229,6 +4181,179 @@
           </a:fontRef>
         </p:style>
       </p:cxnSp>
+      <p:sp>
+        <p:nvSpPr>
+          <p:cNvPr id="12" name="Овал 11"/>
+          <p:cNvSpPr/>
+          <p:nvPr/>
+        </p:nvSpPr>
+        <p:spPr>
+          <a:xfrm>
+            <a:off x="1674087" y="3978652"/>
+            <a:ext cx="918393" cy="501977"/>
+          </a:xfrm>
+          <a:prstGeom prst="ellipse">
+            <a:avLst/>
+          </a:prstGeom>
+          <a:noFill/>
+          <a:ln w="38100">
+            <a:solidFill>
+              <a:srgbClr val="FF0000"/>
+            </a:solidFill>
+          </a:ln>
+        </p:spPr>
+        <p:style>
+          <a:lnRef idx="0">
+            <a:scrgbClr r="0" g="0" b="0"/>
+          </a:lnRef>
+          <a:fillRef idx="0">
+            <a:scrgbClr r="0" g="0" b="0"/>
+          </a:fillRef>
+          <a:effectRef idx="0">
+            <a:scrgbClr r="0" g="0" b="0"/>
+          </a:effectRef>
+          <a:fontRef idx="minor">
+            <a:schemeClr val="accent2"/>
+          </a:fontRef>
+        </p:style>
+        <p:txBody>
+          <a:bodyPr rtlCol="0" anchor="ctr"/>
+          <a:lstStyle/>
+          <a:p>
+            <a:pPr algn="ctr"/>
+            <a:endParaRPr lang="ru-RU"/>
+          </a:p>
+        </p:txBody>
+      </p:sp>
+      <p:cxnSp>
+        <p:nvCxnSpPr>
+          <p:cNvPr id="13" name="Прямая со стрелкой 12"/>
+          <p:cNvCxnSpPr/>
+          <p:nvPr/>
+        </p:nvCxnSpPr>
+        <p:spPr>
+          <a:xfrm flipH="1" flipV="1">
+            <a:off x="2449285" y="4391450"/>
+            <a:ext cx="686862" cy="1085640"/>
+          </a:xfrm>
+          <a:prstGeom prst="straightConnector1">
+            <a:avLst/>
+          </a:prstGeom>
+          <a:ln w="38100">
+            <a:solidFill>
+              <a:srgbClr val="FF0000"/>
+            </a:solidFill>
+            <a:tailEnd type="triangle"/>
+          </a:ln>
+        </p:spPr>
+        <p:style>
+          <a:lnRef idx="1">
+            <a:schemeClr val="accent1"/>
+          </a:lnRef>
+          <a:fillRef idx="0">
+            <a:schemeClr val="accent1"/>
+          </a:fillRef>
+          <a:effectRef idx="0">
+            <a:schemeClr val="accent1"/>
+          </a:effectRef>
+          <a:fontRef idx="minor">
+            <a:schemeClr val="tx1"/>
+          </a:fontRef>
+        </p:style>
+      </p:cxnSp>
+      <p:sp>
+        <p:nvSpPr>
+          <p:cNvPr id="7" name="TextBox 6"/>
+          <p:cNvSpPr txBox="1"/>
+          <p:nvPr/>
+        </p:nvSpPr>
+        <p:spPr>
+          <a:xfrm>
+            <a:off x="3295291" y="5653843"/>
+            <a:ext cx="461957" cy="261610"/>
+          </a:xfrm>
+          <a:prstGeom prst="rect">
+            <a:avLst/>
+          </a:prstGeom>
+        </p:spPr>
+        <p:style>
+          <a:lnRef idx="2">
+            <a:schemeClr val="accent1"/>
+          </a:lnRef>
+          <a:fillRef idx="1">
+            <a:schemeClr val="lt1"/>
+          </a:fillRef>
+          <a:effectRef idx="0">
+            <a:schemeClr val="accent1"/>
+          </a:effectRef>
+          <a:fontRef idx="minor">
+            <a:schemeClr val="dk1"/>
+          </a:fontRef>
+        </p:style>
+        <p:txBody>
+          <a:bodyPr wrap="square" rtlCol="0">
+            <a:spAutoFit/>
+          </a:bodyPr>
+          <a:lstStyle/>
+          <a:p>
+            <a:r>
+              <a:rPr lang="en-US" sz="1100" dirty="0" smtClean="0"/>
+              <a:t>SW5</a:t>
+            </a:r>
+            <a:endParaRPr lang="ru-RU" sz="1100" dirty="0"/>
+          </a:p>
+        </p:txBody>
+      </p:sp>
+      <p:sp>
+        <p:nvSpPr>
+          <p:cNvPr id="16" name="Прямоугольник 15"/>
+          <p:cNvSpPr/>
+          <p:nvPr/>
+        </p:nvSpPr>
+        <p:spPr>
+          <a:xfrm>
+            <a:off x="1145151" y="5292418"/>
+            <a:ext cx="2980761" cy="769813"/>
+          </a:xfrm>
+          <a:prstGeom prst="rect">
+            <a:avLst/>
+          </a:prstGeom>
+        </p:spPr>
+        <p:style>
+          <a:lnRef idx="2">
+            <a:schemeClr val="accent6"/>
+          </a:lnRef>
+          <a:fillRef idx="1">
+            <a:schemeClr val="lt1"/>
+          </a:fillRef>
+          <a:effectRef idx="0">
+            <a:schemeClr val="accent6"/>
+          </a:effectRef>
+          <a:fontRef idx="minor">
+            <a:schemeClr val="dk1"/>
+          </a:fontRef>
+        </p:style>
+        <p:txBody>
+          <a:bodyPr rtlCol="0" anchor="ctr"/>
+          <a:lstStyle/>
+          <a:p>
+            <a:pPr algn="ctr"/>
+            <a:r>
+              <a:rPr lang="ru-RU" dirty="0" smtClean="0"/>
+              <a:t>2 раза переключим </a:t>
+            </a:r>
+            <a:r>
+              <a:rPr lang="en-US" dirty="0" smtClean="0"/>
+              <a:t>SW5,</a:t>
+            </a:r>
+            <a:r>
+              <a:rPr lang="ru-RU" dirty="0" smtClean="0"/>
+              <a:t>осуществим спад  сигнала</a:t>
+            </a:r>
+            <a:endParaRPr lang="ru-RU" dirty="0"/>
+          </a:p>
+        </p:txBody>
+      </p:sp>
     </p:spTree>
     <p:extLst>
       <p:ext uri="{BB962C8B-B14F-4D97-AF65-F5344CB8AC3E}">
@@ -4692,6 +4817,116 @@
           </a:p>
         </p:txBody>
       </p:sp>
+      <p:pic>
+        <p:nvPicPr>
+          <p:cNvPr id="15" name="Рисунок 14"/>
+          <p:cNvPicPr>
+            <a:picLocks noChangeAspect="1"/>
+          </p:cNvPicPr>
+          <p:nvPr/>
+        </p:nvPicPr>
+        <p:blipFill>
+          <a:blip r:embed="rId7"/>
+          <a:stretch>
+            <a:fillRect/>
+          </a:stretch>
+        </p:blipFill>
+        <p:spPr>
+          <a:xfrm>
+            <a:off x="1827275" y="5156376"/>
+            <a:ext cx="2263765" cy="569501"/>
+          </a:xfrm>
+          <a:prstGeom prst="rect">
+            <a:avLst/>
+          </a:prstGeom>
+        </p:spPr>
+      </p:pic>
+      <p:sp>
+        <p:nvSpPr>
+          <p:cNvPr id="16" name="Прямоугольник 15"/>
+          <p:cNvSpPr/>
+          <p:nvPr/>
+        </p:nvSpPr>
+        <p:spPr>
+          <a:xfrm>
+            <a:off x="1468776" y="5039312"/>
+            <a:ext cx="2980761" cy="769813"/>
+          </a:xfrm>
+          <a:prstGeom prst="rect">
+            <a:avLst/>
+          </a:prstGeom>
+        </p:spPr>
+        <p:style>
+          <a:lnRef idx="2">
+            <a:schemeClr val="accent6"/>
+          </a:lnRef>
+          <a:fillRef idx="1">
+            <a:schemeClr val="lt1"/>
+          </a:fillRef>
+          <a:effectRef idx="0">
+            <a:schemeClr val="accent6"/>
+          </a:effectRef>
+          <a:fontRef idx="minor">
+            <a:schemeClr val="dk1"/>
+          </a:fontRef>
+        </p:style>
+        <p:txBody>
+          <a:bodyPr rtlCol="0" anchor="ctr"/>
+          <a:lstStyle/>
+          <a:p>
+            <a:pPr algn="ctr"/>
+            <a:r>
+              <a:rPr lang="ru-RU" dirty="0" smtClean="0"/>
+              <a:t>2 раза переключим </a:t>
+            </a:r>
+            <a:r>
+              <a:rPr lang="en-US" dirty="0" smtClean="0"/>
+              <a:t>SW5,</a:t>
+            </a:r>
+            <a:r>
+              <a:rPr lang="ru-RU" dirty="0" smtClean="0"/>
+              <a:t>осуществим спад  сигнала</a:t>
+            </a:r>
+            <a:endParaRPr lang="ru-RU" dirty="0"/>
+          </a:p>
+        </p:txBody>
+      </p:sp>
+      <p:cxnSp>
+        <p:nvCxnSpPr>
+          <p:cNvPr id="18" name="Прямая со стрелкой 17"/>
+          <p:cNvCxnSpPr/>
+          <p:nvPr/>
+        </p:nvCxnSpPr>
+        <p:spPr>
+          <a:xfrm flipH="1" flipV="1">
+            <a:off x="2527540" y="4373592"/>
+            <a:ext cx="220027" cy="695502"/>
+          </a:xfrm>
+          <a:prstGeom prst="straightConnector1">
+            <a:avLst/>
+          </a:prstGeom>
+          <a:ln w="38100">
+            <a:solidFill>
+              <a:srgbClr val="FF0000"/>
+            </a:solidFill>
+            <a:tailEnd type="triangle"/>
+          </a:ln>
+        </p:spPr>
+        <p:style>
+          <a:lnRef idx="1">
+            <a:schemeClr val="accent1"/>
+          </a:lnRef>
+          <a:fillRef idx="0">
+            <a:schemeClr val="accent1"/>
+          </a:fillRef>
+          <a:effectRef idx="0">
+            <a:schemeClr val="accent1"/>
+          </a:effectRef>
+          <a:fontRef idx="minor">
+            <a:schemeClr val="tx1"/>
+          </a:fontRef>
+        </p:style>
+      </p:cxnSp>
     </p:spTree>
     <p:extLst>
       <p:ext uri="{BB962C8B-B14F-4D97-AF65-F5344CB8AC3E}">
@@ -4853,7 +5088,7 @@
         </p:blipFill>
         <p:spPr>
           <a:xfrm>
-            <a:off x="4377769" y="5651500"/>
+            <a:off x="4397747" y="5675847"/>
             <a:ext cx="2556431" cy="284820"/>
           </a:xfrm>
           <a:prstGeom prst="rect">
@@ -5147,6 +5382,92 @@
           <a:xfrm flipV="1">
             <a:off x="5507432" y="2207614"/>
             <a:ext cx="1122540" cy="48999"/>
+          </a:xfrm>
+          <a:prstGeom prst="straightConnector1">
+            <a:avLst/>
+          </a:prstGeom>
+          <a:ln w="38100">
+            <a:solidFill>
+              <a:srgbClr val="FF0000"/>
+            </a:solidFill>
+            <a:tailEnd type="triangle"/>
+          </a:ln>
+        </p:spPr>
+        <p:style>
+          <a:lnRef idx="1">
+            <a:schemeClr val="accent1"/>
+          </a:lnRef>
+          <a:fillRef idx="0">
+            <a:schemeClr val="accent1"/>
+          </a:fillRef>
+          <a:effectRef idx="0">
+            <a:schemeClr val="accent1"/>
+          </a:effectRef>
+          <a:fontRef idx="minor">
+            <a:schemeClr val="tx1"/>
+          </a:fontRef>
+        </p:style>
+      </p:cxnSp>
+      <p:sp>
+        <p:nvSpPr>
+          <p:cNvPr id="14" name="Прямоугольник 13"/>
+          <p:cNvSpPr/>
+          <p:nvPr/>
+        </p:nvSpPr>
+        <p:spPr>
+          <a:xfrm>
+            <a:off x="727618" y="5199438"/>
+            <a:ext cx="2917070" cy="525925"/>
+          </a:xfrm>
+          <a:prstGeom prst="rect">
+            <a:avLst/>
+          </a:prstGeom>
+        </p:spPr>
+        <p:style>
+          <a:lnRef idx="2">
+            <a:schemeClr val="accent6"/>
+          </a:lnRef>
+          <a:fillRef idx="1">
+            <a:schemeClr val="lt1"/>
+          </a:fillRef>
+          <a:effectRef idx="0">
+            <a:schemeClr val="accent6"/>
+          </a:effectRef>
+          <a:fontRef idx="minor">
+            <a:schemeClr val="dk1"/>
+          </a:fontRef>
+        </p:style>
+        <p:txBody>
+          <a:bodyPr rtlCol="0" anchor="ctr"/>
+          <a:lstStyle/>
+          <a:p>
+            <a:pPr algn="ctr"/>
+            <a:r>
+              <a:rPr lang="ru-RU" sz="1400" dirty="0" smtClean="0"/>
+              <a:t>2 раза переключим </a:t>
+            </a:r>
+            <a:r>
+              <a:rPr lang="en-US" sz="1400" dirty="0" smtClean="0"/>
+              <a:t>SW5,</a:t>
+            </a:r>
+            <a:r>
+              <a:rPr lang="ru-RU" sz="1400" dirty="0" smtClean="0"/>
+              <a:t>осуществим спад  сигнала</a:t>
+            </a:r>
+            <a:endParaRPr lang="ru-RU" sz="1400" dirty="0"/>
+          </a:p>
+        </p:txBody>
+      </p:sp>
+      <p:cxnSp>
+        <p:nvCxnSpPr>
+          <p:cNvPr id="16" name="Прямая со стрелкой 15"/>
+          <p:cNvCxnSpPr/>
+          <p:nvPr/>
+        </p:nvCxnSpPr>
+        <p:spPr>
+          <a:xfrm flipH="1" flipV="1">
+            <a:off x="2186153" y="4585101"/>
+            <a:ext cx="410200" cy="473769"/>
           </a:xfrm>
           <a:prstGeom prst="straightConnector1">
             <a:avLst/>

--- a/рубеж 3/презы/регистрсдвига.pptx
+++ b/рубеж 3/презы/регистрсдвига.pptx
@@ -4340,7 +4340,7 @@
             <a:pPr algn="ctr"/>
             <a:r>
               <a:rPr lang="ru-RU" dirty="0" smtClean="0"/>
-              <a:t>2 раза переключим </a:t>
+              <a:t>переключим </a:t>
             </a:r>
             <a:r>
               <a:rPr lang="en-US" dirty="0" smtClean="0"/>
@@ -4877,7 +4877,7 @@
             <a:pPr algn="ctr"/>
             <a:r>
               <a:rPr lang="ru-RU" dirty="0" smtClean="0"/>
-              <a:t>2 раза переключим </a:t>
+              <a:t>переключим </a:t>
             </a:r>
             <a:r>
               <a:rPr lang="en-US" dirty="0" smtClean="0"/>
@@ -5444,7 +5444,7 @@
             <a:pPr algn="ctr"/>
             <a:r>
               <a:rPr lang="ru-RU" sz="1400" dirty="0" smtClean="0"/>
-              <a:t>2 раза переключим </a:t>
+              <a:t>переключим </a:t>
             </a:r>
             <a:r>
               <a:rPr lang="en-US" sz="1400" dirty="0" smtClean="0"/>
